--- a/docs/Online Appointment and Record System Demo.pptx
+++ b/docs/Online Appointment and Record System Demo.pptx
@@ -7,6 +7,16 @@
   <p:sldIdLst>
     <p:sldId id="256" r:id="rId2"/>
     <p:sldId id="257" r:id="rId3"/>
+    <p:sldId id="258" r:id="rId4"/>
+    <p:sldId id="259" r:id="rId5"/>
+    <p:sldId id="260" r:id="rId6"/>
+    <p:sldId id="261" r:id="rId7"/>
+    <p:sldId id="262" r:id="rId8"/>
+    <p:sldId id="263" r:id="rId9"/>
+    <p:sldId id="264" r:id="rId10"/>
+    <p:sldId id="265" r:id="rId11"/>
+    <p:sldId id="267" r:id="rId12"/>
+    <p:sldId id="266" r:id="rId13"/>
   </p:sldIdLst>
   <p:sldSz cx="12192000" cy="6858000"/>
   <p:notesSz cx="6858000" cy="9144000"/>
@@ -105,6 +115,11 @@
       </a:defRPr>
     </a:lvl9pPr>
   </p:defaultTextStyle>
+  <p:extLst>
+    <p:ext uri="{EFAFB233-063F-42B5-8137-9DF3F51BA10A}">
+      <p15:sldGuideLst xmlns:p15="http://schemas.microsoft.com/office/powerpoint/2012/main"/>
+    </p:ext>
+  </p:extLst>
 </p:presentation>
 </file>
 
@@ -3922,6 +3937,402 @@
 </p:sld>
 </file>
 
+<file path=ppt/slides/slide10.xml><?xml version="1.0" encoding="utf-8"?>
+<p:sld xmlns:a="http://schemas.openxmlformats.org/drawingml/2006/main" xmlns:r="http://schemas.openxmlformats.org/officeDocument/2006/relationships" xmlns:p="http://schemas.openxmlformats.org/presentationml/2006/main">
+  <p:cSld>
+    <p:spTree>
+      <p:nvGrpSpPr>
+        <p:cNvPr id="1" name=""/>
+        <p:cNvGrpSpPr/>
+        <p:nvPr/>
+      </p:nvGrpSpPr>
+      <p:grpSpPr>
+        <a:xfrm>
+          <a:off x="0" y="0"/>
+          <a:ext cx="0" cy="0"/>
+          <a:chOff x="0" y="0"/>
+          <a:chExt cx="0" cy="0"/>
+        </a:xfrm>
+      </p:grpSpPr>
+      <p:sp>
+        <p:nvSpPr>
+          <p:cNvPr id="2" name="Title 1">
+            <a:extLst>
+              <a:ext uri="{FF2B5EF4-FFF2-40B4-BE49-F238E27FC236}">
+                <a16:creationId xmlns:a16="http://schemas.microsoft.com/office/drawing/2014/main" id="{E8DEEC93-0031-0D90-C137-16A7DA8A5E54}"/>
+              </a:ext>
+            </a:extLst>
+          </p:cNvPr>
+          <p:cNvSpPr>
+            <a:spLocks noGrp="1"/>
+          </p:cNvSpPr>
+          <p:nvPr>
+            <p:ph type="title"/>
+          </p:nvPr>
+        </p:nvSpPr>
+        <p:spPr/>
+        <p:txBody>
+          <a:bodyPr>
+            <a:normAutofit/>
+          </a:bodyPr>
+          <a:lstStyle/>
+          <a:p>
+            <a:r>
+              <a:rPr lang="en-US" dirty="0"/>
+              <a:t>Admin Account Analytics – User Details</a:t>
+            </a:r>
+          </a:p>
+        </p:txBody>
+      </p:sp>
+      <p:sp>
+        <p:nvSpPr>
+          <p:cNvPr id="3" name="Content Placeholder 2">
+            <a:extLst>
+              <a:ext uri="{FF2B5EF4-FFF2-40B4-BE49-F238E27FC236}">
+                <a16:creationId xmlns:a16="http://schemas.microsoft.com/office/drawing/2014/main" id="{66767AD4-C377-2FD5-BFF9-C9EADB7249FA}"/>
+              </a:ext>
+            </a:extLst>
+          </p:cNvPr>
+          <p:cNvSpPr>
+            <a:spLocks noGrp="1"/>
+          </p:cNvSpPr>
+          <p:nvPr>
+            <p:ph idx="1"/>
+          </p:nvPr>
+        </p:nvSpPr>
+        <p:spPr/>
+        <p:txBody>
+          <a:bodyPr/>
+          <a:lstStyle/>
+          <a:p>
+            <a:r>
+              <a:rPr lang="en-US" dirty="0"/>
+              <a:t>The analytics tab offers the number of total users, as well as active users (interacted with the database exclusively), and number of inactive (total - active).</a:t>
+            </a:r>
+          </a:p>
+        </p:txBody>
+      </p:sp>
+      <p:pic>
+        <p:nvPicPr>
+          <p:cNvPr id="5" name="Picture 4">
+            <a:extLst>
+              <a:ext uri="{FF2B5EF4-FFF2-40B4-BE49-F238E27FC236}">
+                <a16:creationId xmlns:a16="http://schemas.microsoft.com/office/drawing/2014/main" id="{8AD3F18A-4549-14A7-48EB-79F9E4EC10C0}"/>
+              </a:ext>
+            </a:extLst>
+          </p:cNvPr>
+          <p:cNvPicPr>
+            <a:picLocks noChangeAspect="1"/>
+          </p:cNvPicPr>
+          <p:nvPr/>
+        </p:nvPicPr>
+        <p:blipFill>
+          <a:blip r:embed="rId2"/>
+          <a:stretch>
+            <a:fillRect/>
+          </a:stretch>
+        </p:blipFill>
+        <p:spPr>
+          <a:xfrm>
+            <a:off x="925951" y="4206880"/>
+            <a:ext cx="9960591" cy="2285360"/>
+          </a:xfrm>
+          <a:prstGeom prst="rect">
+            <a:avLst/>
+          </a:prstGeom>
+        </p:spPr>
+      </p:pic>
+    </p:spTree>
+    <p:extLst>
+      <p:ext uri="{BB962C8B-B14F-4D97-AF65-F5344CB8AC3E}">
+        <p14:creationId xmlns:p14="http://schemas.microsoft.com/office/powerpoint/2010/main" val="2650668887"/>
+      </p:ext>
+    </p:extLst>
+  </p:cSld>
+  <p:clrMapOvr>
+    <a:masterClrMapping/>
+  </p:clrMapOvr>
+</p:sld>
+</file>
+
+<file path=ppt/slides/slide11.xml><?xml version="1.0" encoding="utf-8"?>
+<p:sld xmlns:a="http://schemas.openxmlformats.org/drawingml/2006/main" xmlns:r="http://schemas.openxmlformats.org/officeDocument/2006/relationships" xmlns:p="http://schemas.openxmlformats.org/presentationml/2006/main">
+  <p:cSld>
+    <p:spTree>
+      <p:nvGrpSpPr>
+        <p:cNvPr id="1" name="">
+          <a:extLst>
+            <a:ext uri="{FF2B5EF4-FFF2-40B4-BE49-F238E27FC236}">
+              <a16:creationId xmlns:a16="http://schemas.microsoft.com/office/drawing/2014/main" id="{D957D6A9-FF4B-B7E7-F5A9-0F27289ADA45}"/>
+            </a:ext>
+          </a:extLst>
+        </p:cNvPr>
+        <p:cNvGrpSpPr/>
+        <p:nvPr/>
+      </p:nvGrpSpPr>
+      <p:grpSpPr>
+        <a:xfrm>
+          <a:off x="0" y="0"/>
+          <a:ext cx="0" cy="0"/>
+          <a:chOff x="0" y="0"/>
+          <a:chExt cx="0" cy="0"/>
+        </a:xfrm>
+      </p:grpSpPr>
+      <p:sp>
+        <p:nvSpPr>
+          <p:cNvPr id="2" name="Title 1">
+            <a:extLst>
+              <a:ext uri="{FF2B5EF4-FFF2-40B4-BE49-F238E27FC236}">
+                <a16:creationId xmlns:a16="http://schemas.microsoft.com/office/drawing/2014/main" id="{D6B6E9F9-E235-BCBA-2F91-8316A0B32D06}"/>
+              </a:ext>
+            </a:extLst>
+          </p:cNvPr>
+          <p:cNvSpPr>
+            <a:spLocks noGrp="1"/>
+          </p:cNvSpPr>
+          <p:nvPr>
+            <p:ph type="title"/>
+          </p:nvPr>
+        </p:nvSpPr>
+        <p:spPr/>
+        <p:txBody>
+          <a:bodyPr>
+            <a:normAutofit/>
+          </a:bodyPr>
+          <a:lstStyle/>
+          <a:p>
+            <a:r>
+              <a:rPr lang="en-US" dirty="0"/>
+              <a:t>Admin Account Analytics – User Interaction</a:t>
+            </a:r>
+          </a:p>
+        </p:txBody>
+      </p:sp>
+      <p:sp>
+        <p:nvSpPr>
+          <p:cNvPr id="3" name="Content Placeholder 2">
+            <a:extLst>
+              <a:ext uri="{FF2B5EF4-FFF2-40B4-BE49-F238E27FC236}">
+                <a16:creationId xmlns:a16="http://schemas.microsoft.com/office/drawing/2014/main" id="{F3E3D58C-1C7E-86F4-FB63-5CB7E516AF0D}"/>
+              </a:ext>
+            </a:extLst>
+          </p:cNvPr>
+          <p:cNvSpPr>
+            <a:spLocks noGrp="1"/>
+          </p:cNvSpPr>
+          <p:nvPr>
+            <p:ph idx="1"/>
+          </p:nvPr>
+        </p:nvSpPr>
+        <p:spPr/>
+        <p:txBody>
+          <a:bodyPr/>
+          <a:lstStyle/>
+          <a:p>
+            <a:r>
+              <a:rPr lang="en-US" dirty="0"/>
+              <a:t>There are also working graphical representations for new users, and appointments scheduled in the database.</a:t>
+            </a:r>
+          </a:p>
+        </p:txBody>
+      </p:sp>
+      <p:pic>
+        <p:nvPicPr>
+          <p:cNvPr id="8" name="Picture 7">
+            <a:extLst>
+              <a:ext uri="{FF2B5EF4-FFF2-40B4-BE49-F238E27FC236}">
+                <a16:creationId xmlns:a16="http://schemas.microsoft.com/office/drawing/2014/main" id="{E3F2D7E4-0E13-8077-0185-73673BD8A000}"/>
+              </a:ext>
+            </a:extLst>
+          </p:cNvPr>
+          <p:cNvPicPr>
+            <a:picLocks noChangeAspect="1"/>
+          </p:cNvPicPr>
+          <p:nvPr/>
+        </p:nvPicPr>
+        <p:blipFill>
+          <a:blip r:embed="rId2"/>
+          <a:stretch>
+            <a:fillRect/>
+          </a:stretch>
+        </p:blipFill>
+        <p:spPr>
+          <a:xfrm>
+            <a:off x="458694" y="3903260"/>
+            <a:ext cx="4449900" cy="2351992"/>
+          </a:xfrm>
+          <a:prstGeom prst="rect">
+            <a:avLst/>
+          </a:prstGeom>
+        </p:spPr>
+      </p:pic>
+      <p:pic>
+        <p:nvPicPr>
+          <p:cNvPr id="10" name="Picture 9">
+            <a:extLst>
+              <a:ext uri="{FF2B5EF4-FFF2-40B4-BE49-F238E27FC236}">
+                <a16:creationId xmlns:a16="http://schemas.microsoft.com/office/drawing/2014/main" id="{E67BF5B2-D94F-1DC9-11BB-D34D68755F0F}"/>
+              </a:ext>
+            </a:extLst>
+          </p:cNvPr>
+          <p:cNvPicPr>
+            <a:picLocks noChangeAspect="1"/>
+          </p:cNvPicPr>
+          <p:nvPr/>
+        </p:nvPicPr>
+        <p:blipFill>
+          <a:blip r:embed="rId3"/>
+          <a:stretch>
+            <a:fillRect/>
+          </a:stretch>
+        </p:blipFill>
+        <p:spPr>
+          <a:xfrm>
+            <a:off x="7117792" y="3854369"/>
+            <a:ext cx="4615514" cy="2449773"/>
+          </a:xfrm>
+          <a:prstGeom prst="rect">
+            <a:avLst/>
+          </a:prstGeom>
+        </p:spPr>
+      </p:pic>
+    </p:spTree>
+    <p:extLst>
+      <p:ext uri="{BB962C8B-B14F-4D97-AF65-F5344CB8AC3E}">
+        <p14:creationId xmlns:p14="http://schemas.microsoft.com/office/powerpoint/2010/main" val="270093584"/>
+      </p:ext>
+    </p:extLst>
+  </p:cSld>
+  <p:clrMapOvr>
+    <a:masterClrMapping/>
+  </p:clrMapOvr>
+</p:sld>
+</file>
+
+<file path=ppt/slides/slide12.xml><?xml version="1.0" encoding="utf-8"?>
+<p:sld xmlns:a="http://schemas.openxmlformats.org/drawingml/2006/main" xmlns:r="http://schemas.openxmlformats.org/officeDocument/2006/relationships" xmlns:p="http://schemas.openxmlformats.org/presentationml/2006/main">
+  <p:cSld>
+    <p:spTree>
+      <p:nvGrpSpPr>
+        <p:cNvPr id="1" name="">
+          <a:extLst>
+            <a:ext uri="{FF2B5EF4-FFF2-40B4-BE49-F238E27FC236}">
+              <a16:creationId xmlns:a16="http://schemas.microsoft.com/office/drawing/2014/main" id="{8E331521-F61D-9777-44F0-3A305CD70BAC}"/>
+            </a:ext>
+          </a:extLst>
+        </p:cNvPr>
+        <p:cNvGrpSpPr/>
+        <p:nvPr/>
+      </p:nvGrpSpPr>
+      <p:grpSpPr>
+        <a:xfrm>
+          <a:off x="0" y="0"/>
+          <a:ext cx="0" cy="0"/>
+          <a:chOff x="0" y="0"/>
+          <a:chExt cx="0" cy="0"/>
+        </a:xfrm>
+      </p:grpSpPr>
+      <p:sp>
+        <p:nvSpPr>
+          <p:cNvPr id="2" name="Title 1">
+            <a:extLst>
+              <a:ext uri="{FF2B5EF4-FFF2-40B4-BE49-F238E27FC236}">
+                <a16:creationId xmlns:a16="http://schemas.microsoft.com/office/drawing/2014/main" id="{05CC3305-5CD8-6EF2-4FE1-ACF0191BB09F}"/>
+              </a:ext>
+            </a:extLst>
+          </p:cNvPr>
+          <p:cNvSpPr>
+            <a:spLocks noGrp="1"/>
+          </p:cNvSpPr>
+          <p:nvPr>
+            <p:ph type="title"/>
+          </p:nvPr>
+        </p:nvSpPr>
+        <p:spPr/>
+        <p:txBody>
+          <a:bodyPr>
+            <a:normAutofit/>
+          </a:bodyPr>
+          <a:lstStyle/>
+          <a:p>
+            <a:r>
+              <a:rPr lang="en-US" dirty="0"/>
+              <a:t>Admin Account Analytics – Used Features</a:t>
+            </a:r>
+          </a:p>
+        </p:txBody>
+      </p:sp>
+      <p:sp>
+        <p:nvSpPr>
+          <p:cNvPr id="3" name="Content Placeholder 2">
+            <a:extLst>
+              <a:ext uri="{FF2B5EF4-FFF2-40B4-BE49-F238E27FC236}">
+                <a16:creationId xmlns:a16="http://schemas.microsoft.com/office/drawing/2014/main" id="{8CBD9008-6658-ECF3-3D76-7ED230523CEC}"/>
+              </a:ext>
+            </a:extLst>
+          </p:cNvPr>
+          <p:cNvSpPr>
+            <a:spLocks noGrp="1"/>
+          </p:cNvSpPr>
+          <p:nvPr>
+            <p:ph idx="1"/>
+          </p:nvPr>
+        </p:nvSpPr>
+        <p:spPr/>
+        <p:txBody>
+          <a:bodyPr/>
+          <a:lstStyle/>
+          <a:p>
+            <a:r>
+              <a:rPr lang="en-US" dirty="0"/>
+              <a:t>The analytics tab offers insight towards the most used features on the app, which simply counts the number of prescriptions and appointments and compares them.</a:t>
+            </a:r>
+          </a:p>
+        </p:txBody>
+      </p:sp>
+      <p:pic>
+        <p:nvPicPr>
+          <p:cNvPr id="6" name="Picture 5">
+            <a:extLst>
+              <a:ext uri="{FF2B5EF4-FFF2-40B4-BE49-F238E27FC236}">
+                <a16:creationId xmlns:a16="http://schemas.microsoft.com/office/drawing/2014/main" id="{198B44E6-AD7A-5B17-E21D-8FF3856E5DEA}"/>
+              </a:ext>
+            </a:extLst>
+          </p:cNvPr>
+          <p:cNvPicPr>
+            <a:picLocks noChangeAspect="1"/>
+          </p:cNvPicPr>
+          <p:nvPr/>
+        </p:nvPicPr>
+        <p:blipFill>
+          <a:blip r:embed="rId2"/>
+          <a:stretch>
+            <a:fillRect/>
+          </a:stretch>
+        </p:blipFill>
+        <p:spPr>
+          <a:xfrm>
+            <a:off x="381000" y="3500276"/>
+            <a:ext cx="11430000" cy="3357724"/>
+          </a:xfrm>
+          <a:prstGeom prst="rect">
+            <a:avLst/>
+          </a:prstGeom>
+        </p:spPr>
+      </p:pic>
+    </p:spTree>
+    <p:extLst>
+      <p:ext uri="{BB962C8B-B14F-4D97-AF65-F5344CB8AC3E}">
+        <p14:creationId xmlns:p14="http://schemas.microsoft.com/office/powerpoint/2010/main" val="1968922469"/>
+      </p:ext>
+    </p:extLst>
+  </p:cSld>
+  <p:clrMapOvr>
+    <a:masterClrMapping/>
+  </p:clrMapOvr>
+</p:sld>
+</file>
+
 <file path=ppt/slides/slide2.xml><?xml version="1.0" encoding="utf-8"?>
 <p:sld xmlns:a="http://schemas.openxmlformats.org/drawingml/2006/main" xmlns:r="http://schemas.openxmlformats.org/officeDocument/2006/relationships" xmlns:p="http://schemas.openxmlformats.org/presentationml/2006/main">
   <p:cSld>
@@ -4061,6 +4472,835 @@
     <p:extLst>
       <p:ext uri="{BB962C8B-B14F-4D97-AF65-F5344CB8AC3E}">
         <p14:creationId xmlns:p14="http://schemas.microsoft.com/office/powerpoint/2010/main" val="4292997711"/>
+      </p:ext>
+    </p:extLst>
+  </p:cSld>
+  <p:clrMapOvr>
+    <a:masterClrMapping/>
+  </p:clrMapOvr>
+</p:sld>
+</file>
+
+<file path=ppt/slides/slide3.xml><?xml version="1.0" encoding="utf-8"?>
+<p:sld xmlns:a="http://schemas.openxmlformats.org/drawingml/2006/main" xmlns:r="http://schemas.openxmlformats.org/officeDocument/2006/relationships" xmlns:p="http://schemas.openxmlformats.org/presentationml/2006/main">
+  <p:cSld>
+    <p:spTree>
+      <p:nvGrpSpPr>
+        <p:cNvPr id="1" name=""/>
+        <p:cNvGrpSpPr/>
+        <p:nvPr/>
+      </p:nvGrpSpPr>
+      <p:grpSpPr>
+        <a:xfrm>
+          <a:off x="0" y="0"/>
+          <a:ext cx="0" cy="0"/>
+          <a:chOff x="0" y="0"/>
+          <a:chExt cx="0" cy="0"/>
+        </a:xfrm>
+      </p:grpSpPr>
+      <p:sp>
+        <p:nvSpPr>
+          <p:cNvPr id="2" name="Title 1">
+            <a:extLst>
+              <a:ext uri="{FF2B5EF4-FFF2-40B4-BE49-F238E27FC236}">
+                <a16:creationId xmlns:a16="http://schemas.microsoft.com/office/drawing/2014/main" id="{D0A92B94-9411-FAC8-892B-68AD49C438B6}"/>
+              </a:ext>
+            </a:extLst>
+          </p:cNvPr>
+          <p:cNvSpPr>
+            <a:spLocks noGrp="1"/>
+          </p:cNvSpPr>
+          <p:nvPr>
+            <p:ph type="title"/>
+          </p:nvPr>
+        </p:nvSpPr>
+        <p:spPr/>
+        <p:txBody>
+          <a:bodyPr/>
+          <a:lstStyle/>
+          <a:p>
+            <a:r>
+              <a:rPr lang="en-US" dirty="0"/>
+              <a:t>Admin Account Dashboard - Appointment </a:t>
+            </a:r>
+          </a:p>
+        </p:txBody>
+      </p:sp>
+      <p:sp>
+        <p:nvSpPr>
+          <p:cNvPr id="3" name="Content Placeholder 2">
+            <a:extLst>
+              <a:ext uri="{FF2B5EF4-FFF2-40B4-BE49-F238E27FC236}">
+                <a16:creationId xmlns:a16="http://schemas.microsoft.com/office/drawing/2014/main" id="{5B523F8B-6EE1-3838-E178-A2F73C314CFD}"/>
+              </a:ext>
+            </a:extLst>
+          </p:cNvPr>
+          <p:cNvSpPr>
+            <a:spLocks noGrp="1"/>
+          </p:cNvSpPr>
+          <p:nvPr>
+            <p:ph idx="1"/>
+          </p:nvPr>
+        </p:nvSpPr>
+        <p:spPr/>
+        <p:txBody>
+          <a:bodyPr/>
+          <a:lstStyle/>
+          <a:p>
+            <a:r>
+              <a:rPr lang="en-US" dirty="0"/>
+              <a:t>Just like a normal user (patient), a doctor can also schedule an appointment (including oneself.)</a:t>
+            </a:r>
+          </a:p>
+        </p:txBody>
+      </p:sp>
+      <p:pic>
+        <p:nvPicPr>
+          <p:cNvPr id="5" name="Picture 4">
+            <a:extLst>
+              <a:ext uri="{FF2B5EF4-FFF2-40B4-BE49-F238E27FC236}">
+                <a16:creationId xmlns:a16="http://schemas.microsoft.com/office/drawing/2014/main" id="{F5DDB423-E4FD-3DDD-86F2-AC2DFC5FACDF}"/>
+              </a:ext>
+            </a:extLst>
+          </p:cNvPr>
+          <p:cNvPicPr>
+            <a:picLocks noChangeAspect="1"/>
+          </p:cNvPicPr>
+          <p:nvPr/>
+        </p:nvPicPr>
+        <p:blipFill>
+          <a:blip r:embed="rId2"/>
+          <a:stretch>
+            <a:fillRect/>
+          </a:stretch>
+        </p:blipFill>
+        <p:spPr>
+          <a:xfrm>
+            <a:off x="1546924" y="3429000"/>
+            <a:ext cx="8718645" cy="2512257"/>
+          </a:xfrm>
+          <a:prstGeom prst="rect">
+            <a:avLst/>
+          </a:prstGeom>
+        </p:spPr>
+      </p:pic>
+    </p:spTree>
+    <p:extLst>
+      <p:ext uri="{BB962C8B-B14F-4D97-AF65-F5344CB8AC3E}">
+        <p14:creationId xmlns:p14="http://schemas.microsoft.com/office/powerpoint/2010/main" val="3355985444"/>
+      </p:ext>
+    </p:extLst>
+  </p:cSld>
+  <p:clrMapOvr>
+    <a:masterClrMapping/>
+  </p:clrMapOvr>
+</p:sld>
+</file>
+
+<file path=ppt/slides/slide4.xml><?xml version="1.0" encoding="utf-8"?>
+<p:sld xmlns:a="http://schemas.openxmlformats.org/drawingml/2006/main" xmlns:r="http://schemas.openxmlformats.org/officeDocument/2006/relationships" xmlns:p="http://schemas.openxmlformats.org/presentationml/2006/main">
+  <p:cSld>
+    <p:spTree>
+      <p:nvGrpSpPr>
+        <p:cNvPr id="1" name=""/>
+        <p:cNvGrpSpPr/>
+        <p:nvPr/>
+      </p:nvGrpSpPr>
+      <p:grpSpPr>
+        <a:xfrm>
+          <a:off x="0" y="0"/>
+          <a:ext cx="0" cy="0"/>
+          <a:chOff x="0" y="0"/>
+          <a:chExt cx="0" cy="0"/>
+        </a:xfrm>
+      </p:grpSpPr>
+      <p:sp>
+        <p:nvSpPr>
+          <p:cNvPr id="2" name="Title 1">
+            <a:extLst>
+              <a:ext uri="{FF2B5EF4-FFF2-40B4-BE49-F238E27FC236}">
+                <a16:creationId xmlns:a16="http://schemas.microsoft.com/office/drawing/2014/main" id="{89755355-5919-2BF8-3589-515A5A7FB684}"/>
+              </a:ext>
+            </a:extLst>
+          </p:cNvPr>
+          <p:cNvSpPr>
+            <a:spLocks noGrp="1"/>
+          </p:cNvSpPr>
+          <p:nvPr>
+            <p:ph type="title"/>
+          </p:nvPr>
+        </p:nvSpPr>
+        <p:spPr/>
+        <p:txBody>
+          <a:bodyPr>
+            <a:normAutofit fontScale="90000"/>
+          </a:bodyPr>
+          <a:lstStyle/>
+          <a:p>
+            <a:r>
+              <a:rPr lang="en-US" dirty="0"/>
+              <a:t>Admin Account Dashboard – Upload Prescription </a:t>
+            </a:r>
+          </a:p>
+        </p:txBody>
+      </p:sp>
+      <p:sp>
+        <p:nvSpPr>
+          <p:cNvPr id="3" name="Content Placeholder 2">
+            <a:extLst>
+              <a:ext uri="{FF2B5EF4-FFF2-40B4-BE49-F238E27FC236}">
+                <a16:creationId xmlns:a16="http://schemas.microsoft.com/office/drawing/2014/main" id="{96342D5F-E156-5B69-AC53-B4F99AA493D4}"/>
+              </a:ext>
+            </a:extLst>
+          </p:cNvPr>
+          <p:cNvSpPr>
+            <a:spLocks noGrp="1"/>
+          </p:cNvSpPr>
+          <p:nvPr>
+            <p:ph idx="1"/>
+          </p:nvPr>
+        </p:nvSpPr>
+        <p:spPr/>
+        <p:txBody>
+          <a:bodyPr/>
+          <a:lstStyle/>
+          <a:p>
+            <a:r>
+              <a:rPr lang="en-US" dirty="0"/>
+              <a:t>The admin account (doctor) can upload prescriptions to the database, then manually assigned to a patient for them to view.</a:t>
+            </a:r>
+          </a:p>
+        </p:txBody>
+      </p:sp>
+      <p:pic>
+        <p:nvPicPr>
+          <p:cNvPr id="5" name="Picture 4">
+            <a:extLst>
+              <a:ext uri="{FF2B5EF4-FFF2-40B4-BE49-F238E27FC236}">
+                <a16:creationId xmlns:a16="http://schemas.microsoft.com/office/drawing/2014/main" id="{DEB282CA-6BF9-E226-1832-C4BD4D2C22FF}"/>
+              </a:ext>
+            </a:extLst>
+          </p:cNvPr>
+          <p:cNvPicPr>
+            <a:picLocks noChangeAspect="1"/>
+          </p:cNvPicPr>
+          <p:nvPr/>
+        </p:nvPicPr>
+        <p:blipFill>
+          <a:blip r:embed="rId2"/>
+          <a:stretch>
+            <a:fillRect/>
+          </a:stretch>
+        </p:blipFill>
+        <p:spPr>
+          <a:xfrm>
+            <a:off x="3521398" y="3180480"/>
+            <a:ext cx="5149204" cy="3363622"/>
+          </a:xfrm>
+          <a:prstGeom prst="rect">
+            <a:avLst/>
+          </a:prstGeom>
+        </p:spPr>
+      </p:pic>
+    </p:spTree>
+    <p:extLst>
+      <p:ext uri="{BB962C8B-B14F-4D97-AF65-F5344CB8AC3E}">
+        <p14:creationId xmlns:p14="http://schemas.microsoft.com/office/powerpoint/2010/main" val="1968056373"/>
+      </p:ext>
+    </p:extLst>
+  </p:cSld>
+  <p:clrMapOvr>
+    <a:masterClrMapping/>
+  </p:clrMapOvr>
+</p:sld>
+</file>
+
+<file path=ppt/slides/slide5.xml><?xml version="1.0" encoding="utf-8"?>
+<p:sld xmlns:a="http://schemas.openxmlformats.org/drawingml/2006/main" xmlns:r="http://schemas.openxmlformats.org/officeDocument/2006/relationships" xmlns:p="http://schemas.openxmlformats.org/presentationml/2006/main">
+  <p:cSld>
+    <p:spTree>
+      <p:nvGrpSpPr>
+        <p:cNvPr id="1" name=""/>
+        <p:cNvGrpSpPr/>
+        <p:nvPr/>
+      </p:nvGrpSpPr>
+      <p:grpSpPr>
+        <a:xfrm>
+          <a:off x="0" y="0"/>
+          <a:ext cx="0" cy="0"/>
+          <a:chOff x="0" y="0"/>
+          <a:chExt cx="0" cy="0"/>
+        </a:xfrm>
+      </p:grpSpPr>
+      <p:sp>
+        <p:nvSpPr>
+          <p:cNvPr id="2" name="Title 1">
+            <a:extLst>
+              <a:ext uri="{FF2B5EF4-FFF2-40B4-BE49-F238E27FC236}">
+                <a16:creationId xmlns:a16="http://schemas.microsoft.com/office/drawing/2014/main" id="{7C8CD4D3-E29C-70F5-3355-91B54A09B592}"/>
+              </a:ext>
+            </a:extLst>
+          </p:cNvPr>
+          <p:cNvSpPr>
+            <a:spLocks noGrp="1"/>
+          </p:cNvSpPr>
+          <p:nvPr>
+            <p:ph type="title"/>
+          </p:nvPr>
+        </p:nvSpPr>
+        <p:spPr/>
+        <p:txBody>
+          <a:bodyPr/>
+          <a:lstStyle/>
+          <a:p>
+            <a:r>
+              <a:rPr lang="en-US" dirty="0"/>
+              <a:t>Admin Account Dashboard - Appointment </a:t>
+            </a:r>
+          </a:p>
+        </p:txBody>
+      </p:sp>
+      <p:sp>
+        <p:nvSpPr>
+          <p:cNvPr id="3" name="Content Placeholder 2">
+            <a:extLst>
+              <a:ext uri="{FF2B5EF4-FFF2-40B4-BE49-F238E27FC236}">
+                <a16:creationId xmlns:a16="http://schemas.microsoft.com/office/drawing/2014/main" id="{1AB2365D-23CF-D024-0691-D56D00FB4435}"/>
+              </a:ext>
+            </a:extLst>
+          </p:cNvPr>
+          <p:cNvSpPr>
+            <a:spLocks noGrp="1"/>
+          </p:cNvSpPr>
+          <p:nvPr>
+            <p:ph idx="1"/>
+          </p:nvPr>
+        </p:nvSpPr>
+        <p:spPr/>
+        <p:txBody>
+          <a:bodyPr/>
+          <a:lstStyle/>
+          <a:p>
+            <a:r>
+              <a:rPr lang="en-US" dirty="0"/>
+              <a:t>Just like a normal account (patients), admin accounts (doctors) also have an appointment panel.</a:t>
+            </a:r>
+          </a:p>
+        </p:txBody>
+      </p:sp>
+      <p:pic>
+        <p:nvPicPr>
+          <p:cNvPr id="5" name="Picture 4">
+            <a:extLst>
+              <a:ext uri="{FF2B5EF4-FFF2-40B4-BE49-F238E27FC236}">
+                <a16:creationId xmlns:a16="http://schemas.microsoft.com/office/drawing/2014/main" id="{4F0E6884-E598-DDC5-3032-EAA9E11EBD5F}"/>
+              </a:ext>
+            </a:extLst>
+          </p:cNvPr>
+          <p:cNvPicPr>
+            <a:picLocks noChangeAspect="1"/>
+          </p:cNvPicPr>
+          <p:nvPr/>
+        </p:nvPicPr>
+        <p:blipFill>
+          <a:blip r:embed="rId2"/>
+          <a:stretch>
+            <a:fillRect/>
+          </a:stretch>
+        </p:blipFill>
+        <p:spPr>
+          <a:xfrm>
+            <a:off x="1079489" y="3222436"/>
+            <a:ext cx="9653516" cy="3375101"/>
+          </a:xfrm>
+          <a:prstGeom prst="rect">
+            <a:avLst/>
+          </a:prstGeom>
+        </p:spPr>
+      </p:pic>
+    </p:spTree>
+    <p:extLst>
+      <p:ext uri="{BB962C8B-B14F-4D97-AF65-F5344CB8AC3E}">
+        <p14:creationId xmlns:p14="http://schemas.microsoft.com/office/powerpoint/2010/main" val="2497400689"/>
+      </p:ext>
+    </p:extLst>
+  </p:cSld>
+  <p:clrMapOvr>
+    <a:masterClrMapping/>
+  </p:clrMapOvr>
+</p:sld>
+</file>
+
+<file path=ppt/slides/slide6.xml><?xml version="1.0" encoding="utf-8"?>
+<p:sld xmlns:a="http://schemas.openxmlformats.org/drawingml/2006/main" xmlns:r="http://schemas.openxmlformats.org/officeDocument/2006/relationships" xmlns:p="http://schemas.openxmlformats.org/presentationml/2006/main">
+  <p:cSld>
+    <p:spTree>
+      <p:nvGrpSpPr>
+        <p:cNvPr id="1" name=""/>
+        <p:cNvGrpSpPr/>
+        <p:nvPr/>
+      </p:nvGrpSpPr>
+      <p:grpSpPr>
+        <a:xfrm>
+          <a:off x="0" y="0"/>
+          <a:ext cx="0" cy="0"/>
+          <a:chOff x="0" y="0"/>
+          <a:chExt cx="0" cy="0"/>
+        </a:xfrm>
+      </p:grpSpPr>
+      <p:sp>
+        <p:nvSpPr>
+          <p:cNvPr id="2" name="Title 1">
+            <a:extLst>
+              <a:ext uri="{FF2B5EF4-FFF2-40B4-BE49-F238E27FC236}">
+                <a16:creationId xmlns:a16="http://schemas.microsoft.com/office/drawing/2014/main" id="{3F5B7BB9-D5AA-5AA9-E4ED-78D3B05E9279}"/>
+              </a:ext>
+            </a:extLst>
+          </p:cNvPr>
+          <p:cNvSpPr>
+            <a:spLocks noGrp="1"/>
+          </p:cNvSpPr>
+          <p:nvPr>
+            <p:ph type="title"/>
+          </p:nvPr>
+        </p:nvSpPr>
+        <p:spPr/>
+        <p:txBody>
+          <a:bodyPr>
+            <a:normAutofit fontScale="90000"/>
+          </a:bodyPr>
+          <a:lstStyle/>
+          <a:p>
+            <a:r>
+              <a:rPr lang="en-US" dirty="0"/>
+              <a:t>Admin Account Admin Tools – Managing Users</a:t>
+            </a:r>
+          </a:p>
+        </p:txBody>
+      </p:sp>
+      <p:sp>
+        <p:nvSpPr>
+          <p:cNvPr id="3" name="Content Placeholder 2">
+            <a:extLst>
+              <a:ext uri="{FF2B5EF4-FFF2-40B4-BE49-F238E27FC236}">
+                <a16:creationId xmlns:a16="http://schemas.microsoft.com/office/drawing/2014/main" id="{E5AA167F-3E27-8D5F-F320-367DE7F9A0F0}"/>
+              </a:ext>
+            </a:extLst>
+          </p:cNvPr>
+          <p:cNvSpPr>
+            <a:spLocks noGrp="1"/>
+          </p:cNvSpPr>
+          <p:nvPr>
+            <p:ph idx="1"/>
+          </p:nvPr>
+        </p:nvSpPr>
+        <p:spPr/>
+        <p:txBody>
+          <a:bodyPr/>
+          <a:lstStyle/>
+          <a:p>
+            <a:r>
+              <a:rPr lang="en-US" dirty="0"/>
+              <a:t>An admin account can promote, and demote users from simply being an authorized user, to a patient, and finally to a doctor</a:t>
+            </a:r>
+          </a:p>
+        </p:txBody>
+      </p:sp>
+      <p:pic>
+        <p:nvPicPr>
+          <p:cNvPr id="5" name="Picture 4">
+            <a:extLst>
+              <a:ext uri="{FF2B5EF4-FFF2-40B4-BE49-F238E27FC236}">
+                <a16:creationId xmlns:a16="http://schemas.microsoft.com/office/drawing/2014/main" id="{92CB9366-3E59-0DF9-EA87-A739B415C369}"/>
+              </a:ext>
+            </a:extLst>
+          </p:cNvPr>
+          <p:cNvPicPr>
+            <a:picLocks noChangeAspect="1"/>
+          </p:cNvPicPr>
+          <p:nvPr/>
+        </p:nvPicPr>
+        <p:blipFill>
+          <a:blip r:embed="rId2"/>
+          <a:stretch>
+            <a:fillRect/>
+          </a:stretch>
+        </p:blipFill>
+        <p:spPr>
+          <a:xfrm>
+            <a:off x="519231" y="3230128"/>
+            <a:ext cx="11153538" cy="3469122"/>
+          </a:xfrm>
+          <a:prstGeom prst="rect">
+            <a:avLst/>
+          </a:prstGeom>
+        </p:spPr>
+      </p:pic>
+    </p:spTree>
+    <p:extLst>
+      <p:ext uri="{BB962C8B-B14F-4D97-AF65-F5344CB8AC3E}">
+        <p14:creationId xmlns:p14="http://schemas.microsoft.com/office/powerpoint/2010/main" val="1814619843"/>
+      </p:ext>
+    </p:extLst>
+  </p:cSld>
+  <p:clrMapOvr>
+    <a:masterClrMapping/>
+  </p:clrMapOvr>
+</p:sld>
+</file>
+
+<file path=ppt/slides/slide7.xml><?xml version="1.0" encoding="utf-8"?>
+<p:sld xmlns:a="http://schemas.openxmlformats.org/drawingml/2006/main" xmlns:r="http://schemas.openxmlformats.org/officeDocument/2006/relationships" xmlns:p="http://schemas.openxmlformats.org/presentationml/2006/main">
+  <p:cSld>
+    <p:spTree>
+      <p:nvGrpSpPr>
+        <p:cNvPr id="1" name="">
+          <a:extLst>
+            <a:ext uri="{FF2B5EF4-FFF2-40B4-BE49-F238E27FC236}">
+              <a16:creationId xmlns:a16="http://schemas.microsoft.com/office/drawing/2014/main" id="{4498289A-0B0F-7011-E13D-DD02A81F6BF4}"/>
+            </a:ext>
+          </a:extLst>
+        </p:cNvPr>
+        <p:cNvGrpSpPr/>
+        <p:nvPr/>
+      </p:nvGrpSpPr>
+      <p:grpSpPr>
+        <a:xfrm>
+          <a:off x="0" y="0"/>
+          <a:ext cx="0" cy="0"/>
+          <a:chOff x="0" y="0"/>
+          <a:chExt cx="0" cy="0"/>
+        </a:xfrm>
+      </p:grpSpPr>
+      <p:sp>
+        <p:nvSpPr>
+          <p:cNvPr id="2" name="Title 1">
+            <a:extLst>
+              <a:ext uri="{FF2B5EF4-FFF2-40B4-BE49-F238E27FC236}">
+                <a16:creationId xmlns:a16="http://schemas.microsoft.com/office/drawing/2014/main" id="{983EC583-B1A3-CA43-A119-00CB71D06411}"/>
+              </a:ext>
+            </a:extLst>
+          </p:cNvPr>
+          <p:cNvSpPr>
+            <a:spLocks noGrp="1"/>
+          </p:cNvSpPr>
+          <p:nvPr>
+            <p:ph type="title"/>
+          </p:nvPr>
+        </p:nvSpPr>
+        <p:spPr/>
+        <p:txBody>
+          <a:bodyPr>
+            <a:normAutofit fontScale="90000"/>
+          </a:bodyPr>
+          <a:lstStyle/>
+          <a:p>
+            <a:r>
+              <a:rPr lang="en-US" dirty="0"/>
+              <a:t>Admin Account Admin Tools – Managing Users</a:t>
+            </a:r>
+          </a:p>
+        </p:txBody>
+      </p:sp>
+      <p:sp>
+        <p:nvSpPr>
+          <p:cNvPr id="3" name="Content Placeholder 2">
+            <a:extLst>
+              <a:ext uri="{FF2B5EF4-FFF2-40B4-BE49-F238E27FC236}">
+                <a16:creationId xmlns:a16="http://schemas.microsoft.com/office/drawing/2014/main" id="{351084E7-36C2-68AF-81E7-86352DF356B3}"/>
+              </a:ext>
+            </a:extLst>
+          </p:cNvPr>
+          <p:cNvSpPr>
+            <a:spLocks noGrp="1"/>
+          </p:cNvSpPr>
+          <p:nvPr>
+            <p:ph idx="1"/>
+          </p:nvPr>
+        </p:nvSpPr>
+        <p:spPr/>
+        <p:txBody>
+          <a:bodyPr/>
+          <a:lstStyle/>
+          <a:p>
+            <a:r>
+              <a:rPr lang="en-US" dirty="0"/>
+              <a:t>An admin account can promote, and demote users from simply being an authorized user, to a patient, and finally to a doctor. Once a user is promoted to doctor, they must manually be demoted, a doctor cannot change other doctors' role for security purposes.</a:t>
+            </a:r>
+          </a:p>
+        </p:txBody>
+      </p:sp>
+    </p:spTree>
+    <p:extLst>
+      <p:ext uri="{BB962C8B-B14F-4D97-AF65-F5344CB8AC3E}">
+        <p14:creationId xmlns:p14="http://schemas.microsoft.com/office/powerpoint/2010/main" val="1756403280"/>
+      </p:ext>
+    </p:extLst>
+  </p:cSld>
+  <p:clrMapOvr>
+    <a:masterClrMapping/>
+  </p:clrMapOvr>
+</p:sld>
+</file>
+
+<file path=ppt/slides/slide8.xml><?xml version="1.0" encoding="utf-8"?>
+<p:sld xmlns:a="http://schemas.openxmlformats.org/drawingml/2006/main" xmlns:r="http://schemas.openxmlformats.org/officeDocument/2006/relationships" xmlns:p="http://schemas.openxmlformats.org/presentationml/2006/main">
+  <p:cSld>
+    <p:spTree>
+      <p:nvGrpSpPr>
+        <p:cNvPr id="1" name=""/>
+        <p:cNvGrpSpPr/>
+        <p:nvPr/>
+      </p:nvGrpSpPr>
+      <p:grpSpPr>
+        <a:xfrm>
+          <a:off x="0" y="0"/>
+          <a:ext cx="0" cy="0"/>
+          <a:chOff x="0" y="0"/>
+          <a:chExt cx="0" cy="0"/>
+        </a:xfrm>
+      </p:grpSpPr>
+      <p:sp>
+        <p:nvSpPr>
+          <p:cNvPr id="2" name="Title 1">
+            <a:extLst>
+              <a:ext uri="{FF2B5EF4-FFF2-40B4-BE49-F238E27FC236}">
+                <a16:creationId xmlns:a16="http://schemas.microsoft.com/office/drawing/2014/main" id="{274638F4-B953-A0CF-D4E5-DDFBC87997E6}"/>
+              </a:ext>
+            </a:extLst>
+          </p:cNvPr>
+          <p:cNvSpPr>
+            <a:spLocks noGrp="1"/>
+          </p:cNvSpPr>
+          <p:nvPr>
+            <p:ph type="title"/>
+          </p:nvPr>
+        </p:nvSpPr>
+        <p:spPr/>
+        <p:txBody>
+          <a:bodyPr>
+            <a:normAutofit fontScale="90000"/>
+          </a:bodyPr>
+          <a:lstStyle/>
+          <a:p>
+            <a:r>
+              <a:rPr lang="en-US" dirty="0"/>
+              <a:t>Admin Account Admin Tools – Appointments</a:t>
+            </a:r>
+            <a:endParaRPr lang="en-US" b="1" dirty="0"/>
+          </a:p>
+        </p:txBody>
+      </p:sp>
+      <p:sp>
+        <p:nvSpPr>
+          <p:cNvPr id="3" name="Content Placeholder 2">
+            <a:extLst>
+              <a:ext uri="{FF2B5EF4-FFF2-40B4-BE49-F238E27FC236}">
+                <a16:creationId xmlns:a16="http://schemas.microsoft.com/office/drawing/2014/main" id="{5625CECF-6797-A62C-E35A-B43AD976061E}"/>
+              </a:ext>
+            </a:extLst>
+          </p:cNvPr>
+          <p:cNvSpPr>
+            <a:spLocks noGrp="1"/>
+          </p:cNvSpPr>
+          <p:nvPr>
+            <p:ph idx="1"/>
+          </p:nvPr>
+        </p:nvSpPr>
+        <p:spPr/>
+        <p:txBody>
+          <a:bodyPr/>
+          <a:lstStyle/>
+          <a:p>
+            <a:r>
+              <a:rPr lang="en-US" dirty="0"/>
+              <a:t>All doctors can see ALL appointments in the database, including those of other doctors.</a:t>
+            </a:r>
+          </a:p>
+        </p:txBody>
+      </p:sp>
+      <p:pic>
+        <p:nvPicPr>
+          <p:cNvPr id="5" name="Picture 4">
+            <a:extLst>
+              <a:ext uri="{FF2B5EF4-FFF2-40B4-BE49-F238E27FC236}">
+                <a16:creationId xmlns:a16="http://schemas.microsoft.com/office/drawing/2014/main" id="{7CC1EA8C-A3DA-7526-402E-48F946BCB064}"/>
+              </a:ext>
+            </a:extLst>
+          </p:cNvPr>
+          <p:cNvPicPr>
+            <a:picLocks noChangeAspect="1"/>
+          </p:cNvPicPr>
+          <p:nvPr/>
+        </p:nvPicPr>
+        <p:blipFill>
+          <a:blip r:embed="rId2"/>
+          <a:stretch>
+            <a:fillRect/>
+          </a:stretch>
+        </p:blipFill>
+        <p:spPr>
+          <a:xfrm>
+            <a:off x="3490711" y="3364173"/>
+            <a:ext cx="5210577" cy="3179927"/>
+          </a:xfrm>
+          <a:prstGeom prst="rect">
+            <a:avLst/>
+          </a:prstGeom>
+        </p:spPr>
+      </p:pic>
+    </p:spTree>
+    <p:extLst>
+      <p:ext uri="{BB962C8B-B14F-4D97-AF65-F5344CB8AC3E}">
+        <p14:creationId xmlns:p14="http://schemas.microsoft.com/office/powerpoint/2010/main" val="87391122"/>
+      </p:ext>
+    </p:extLst>
+  </p:cSld>
+  <p:clrMapOvr>
+    <a:masterClrMapping/>
+  </p:clrMapOvr>
+</p:sld>
+</file>
+
+<file path=ppt/slides/slide9.xml><?xml version="1.0" encoding="utf-8"?>
+<p:sld xmlns:a="http://schemas.openxmlformats.org/drawingml/2006/main" xmlns:r="http://schemas.openxmlformats.org/officeDocument/2006/relationships" xmlns:p="http://schemas.openxmlformats.org/presentationml/2006/main">
+  <p:cSld>
+    <p:spTree>
+      <p:nvGrpSpPr>
+        <p:cNvPr id="1" name=""/>
+        <p:cNvGrpSpPr/>
+        <p:nvPr/>
+      </p:nvGrpSpPr>
+      <p:grpSpPr>
+        <a:xfrm>
+          <a:off x="0" y="0"/>
+          <a:ext cx="0" cy="0"/>
+          <a:chOff x="0" y="0"/>
+          <a:chExt cx="0" cy="0"/>
+        </a:xfrm>
+      </p:grpSpPr>
+      <p:sp>
+        <p:nvSpPr>
+          <p:cNvPr id="2" name="Title 1">
+            <a:extLst>
+              <a:ext uri="{FF2B5EF4-FFF2-40B4-BE49-F238E27FC236}">
+                <a16:creationId xmlns:a16="http://schemas.microsoft.com/office/drawing/2014/main" id="{E87C5A9E-32CF-0426-81BB-E25B41A1AEE5}"/>
+              </a:ext>
+            </a:extLst>
+          </p:cNvPr>
+          <p:cNvSpPr>
+            <a:spLocks noGrp="1"/>
+          </p:cNvSpPr>
+          <p:nvPr>
+            <p:ph type="title"/>
+          </p:nvPr>
+        </p:nvSpPr>
+        <p:spPr/>
+        <p:txBody>
+          <a:bodyPr>
+            <a:normAutofit/>
+          </a:bodyPr>
+          <a:lstStyle/>
+          <a:p>
+            <a:r>
+              <a:rPr lang="en-US" dirty="0"/>
+              <a:t>Admin Account Admin Tools – Prescriptions</a:t>
+            </a:r>
+          </a:p>
+        </p:txBody>
+      </p:sp>
+      <p:sp>
+        <p:nvSpPr>
+          <p:cNvPr id="3" name="Content Placeholder 2">
+            <a:extLst>
+              <a:ext uri="{FF2B5EF4-FFF2-40B4-BE49-F238E27FC236}">
+                <a16:creationId xmlns:a16="http://schemas.microsoft.com/office/drawing/2014/main" id="{A97D9FCC-A1B7-93AE-6D1F-F192AAC70861}"/>
+              </a:ext>
+            </a:extLst>
+          </p:cNvPr>
+          <p:cNvSpPr>
+            <a:spLocks noGrp="1"/>
+          </p:cNvSpPr>
+          <p:nvPr>
+            <p:ph idx="1"/>
+          </p:nvPr>
+        </p:nvSpPr>
+        <p:spPr/>
+        <p:txBody>
+          <a:bodyPr/>
+          <a:lstStyle/>
+          <a:p>
+            <a:r>
+              <a:rPr lang="en-US" dirty="0"/>
+              <a:t>Doctors can see ALL prescriptions in the database, and change the description, as well as viewing the prescription.</a:t>
+            </a:r>
+          </a:p>
+        </p:txBody>
+      </p:sp>
+      <p:pic>
+        <p:nvPicPr>
+          <p:cNvPr id="5" name="Picture 4">
+            <a:extLst>
+              <a:ext uri="{FF2B5EF4-FFF2-40B4-BE49-F238E27FC236}">
+                <a16:creationId xmlns:a16="http://schemas.microsoft.com/office/drawing/2014/main" id="{1C287853-49A8-1340-B47F-DA7C2E4D0F1D}"/>
+              </a:ext>
+            </a:extLst>
+          </p:cNvPr>
+          <p:cNvPicPr>
+            <a:picLocks noChangeAspect="1"/>
+          </p:cNvPicPr>
+          <p:nvPr/>
+        </p:nvPicPr>
+        <p:blipFill>
+          <a:blip r:embed="rId2"/>
+          <a:stretch>
+            <a:fillRect/>
+          </a:stretch>
+        </p:blipFill>
+        <p:spPr>
+          <a:xfrm>
+            <a:off x="2221351" y="3314720"/>
+            <a:ext cx="7369791" cy="1648214"/>
+          </a:xfrm>
+          <a:prstGeom prst="rect">
+            <a:avLst/>
+          </a:prstGeom>
+        </p:spPr>
+      </p:pic>
+      <p:pic>
+        <p:nvPicPr>
+          <p:cNvPr id="7" name="Picture 6">
+            <a:extLst>
+              <a:ext uri="{FF2B5EF4-FFF2-40B4-BE49-F238E27FC236}">
+                <a16:creationId xmlns:a16="http://schemas.microsoft.com/office/drawing/2014/main" id="{BB21DC20-BCC5-D8A5-FC57-259BF510B48F}"/>
+              </a:ext>
+            </a:extLst>
+          </p:cNvPr>
+          <p:cNvPicPr>
+            <a:picLocks noChangeAspect="1"/>
+          </p:cNvPicPr>
+          <p:nvPr/>
+        </p:nvPicPr>
+        <p:blipFill>
+          <a:blip r:embed="rId3"/>
+          <a:stretch>
+            <a:fillRect/>
+          </a:stretch>
+        </p:blipFill>
+        <p:spPr>
+          <a:xfrm>
+            <a:off x="2221351" y="4962934"/>
+            <a:ext cx="7369791" cy="1633975"/>
+          </a:xfrm>
+          <a:prstGeom prst="rect">
+            <a:avLst/>
+          </a:prstGeom>
+        </p:spPr>
+      </p:pic>
+    </p:spTree>
+    <p:extLst>
+      <p:ext uri="{BB962C8B-B14F-4D97-AF65-F5344CB8AC3E}">
+        <p14:creationId xmlns:p14="http://schemas.microsoft.com/office/powerpoint/2010/main" val="3226572895"/>
       </p:ext>
     </p:extLst>
   </p:cSld>

--- a/docs/Online Appointment and Record System Demo.pptx
+++ b/docs/Online Appointment and Record System Demo.pptx
@@ -7,16 +7,19 @@
   <p:sldIdLst>
     <p:sldId id="256" r:id="rId2"/>
     <p:sldId id="257" r:id="rId3"/>
-    <p:sldId id="258" r:id="rId4"/>
-    <p:sldId id="259" r:id="rId5"/>
-    <p:sldId id="260" r:id="rId6"/>
-    <p:sldId id="261" r:id="rId7"/>
-    <p:sldId id="262" r:id="rId8"/>
-    <p:sldId id="263" r:id="rId9"/>
-    <p:sldId id="264" r:id="rId10"/>
-    <p:sldId id="265" r:id="rId11"/>
-    <p:sldId id="267" r:id="rId12"/>
-    <p:sldId id="266" r:id="rId13"/>
+    <p:sldId id="268" r:id="rId4"/>
+    <p:sldId id="269" r:id="rId5"/>
+    <p:sldId id="270" r:id="rId6"/>
+    <p:sldId id="258" r:id="rId7"/>
+    <p:sldId id="259" r:id="rId8"/>
+    <p:sldId id="260" r:id="rId9"/>
+    <p:sldId id="261" r:id="rId10"/>
+    <p:sldId id="262" r:id="rId11"/>
+    <p:sldId id="263" r:id="rId12"/>
+    <p:sldId id="264" r:id="rId13"/>
+    <p:sldId id="265" r:id="rId14"/>
+    <p:sldId id="267" r:id="rId15"/>
+    <p:sldId id="266" r:id="rId16"/>
   </p:sldIdLst>
   <p:sldSz cx="12192000" cy="6858000"/>
   <p:notesSz cx="6858000" cy="9144000"/>
@@ -3942,6 +3945,367 @@
   <p:cSld>
     <p:spTree>
       <p:nvGrpSpPr>
+        <p:cNvPr id="1" name="">
+          <a:extLst>
+            <a:ext uri="{FF2B5EF4-FFF2-40B4-BE49-F238E27FC236}">
+              <a16:creationId xmlns:a16="http://schemas.microsoft.com/office/drawing/2014/main" id="{4498289A-0B0F-7011-E13D-DD02A81F6BF4}"/>
+            </a:ext>
+          </a:extLst>
+        </p:cNvPr>
+        <p:cNvGrpSpPr/>
+        <p:nvPr/>
+      </p:nvGrpSpPr>
+      <p:grpSpPr>
+        <a:xfrm>
+          <a:off x="0" y="0"/>
+          <a:ext cx="0" cy="0"/>
+          <a:chOff x="0" y="0"/>
+          <a:chExt cx="0" cy="0"/>
+        </a:xfrm>
+      </p:grpSpPr>
+      <p:sp>
+        <p:nvSpPr>
+          <p:cNvPr id="2" name="Title 1">
+            <a:extLst>
+              <a:ext uri="{FF2B5EF4-FFF2-40B4-BE49-F238E27FC236}">
+                <a16:creationId xmlns:a16="http://schemas.microsoft.com/office/drawing/2014/main" id="{983EC583-B1A3-CA43-A119-00CB71D06411}"/>
+              </a:ext>
+            </a:extLst>
+          </p:cNvPr>
+          <p:cNvSpPr>
+            <a:spLocks noGrp="1"/>
+          </p:cNvSpPr>
+          <p:nvPr>
+            <p:ph type="title"/>
+          </p:nvPr>
+        </p:nvSpPr>
+        <p:spPr/>
+        <p:txBody>
+          <a:bodyPr>
+            <a:normAutofit fontScale="90000"/>
+          </a:bodyPr>
+          <a:lstStyle/>
+          <a:p>
+            <a:r>
+              <a:rPr lang="en-US" dirty="0"/>
+              <a:t>Admin Account Admin Tools – Managing Users</a:t>
+            </a:r>
+          </a:p>
+        </p:txBody>
+      </p:sp>
+      <p:sp>
+        <p:nvSpPr>
+          <p:cNvPr id="3" name="Content Placeholder 2">
+            <a:extLst>
+              <a:ext uri="{FF2B5EF4-FFF2-40B4-BE49-F238E27FC236}">
+                <a16:creationId xmlns:a16="http://schemas.microsoft.com/office/drawing/2014/main" id="{351084E7-36C2-68AF-81E7-86352DF356B3}"/>
+              </a:ext>
+            </a:extLst>
+          </p:cNvPr>
+          <p:cNvSpPr>
+            <a:spLocks noGrp="1"/>
+          </p:cNvSpPr>
+          <p:nvPr>
+            <p:ph idx="1"/>
+          </p:nvPr>
+        </p:nvSpPr>
+        <p:spPr/>
+        <p:txBody>
+          <a:bodyPr/>
+          <a:lstStyle/>
+          <a:p>
+            <a:r>
+              <a:rPr lang="en-US" dirty="0"/>
+              <a:t>An admin account can promote, and demote users from simply being an authorized user, to a patient, and finally to a doctor. Once a user is promoted to doctor, they must manually be demoted, a doctor cannot change other doctors' role for security purposes.</a:t>
+            </a:r>
+          </a:p>
+        </p:txBody>
+      </p:sp>
+    </p:spTree>
+    <p:extLst>
+      <p:ext uri="{BB962C8B-B14F-4D97-AF65-F5344CB8AC3E}">
+        <p14:creationId xmlns:p14="http://schemas.microsoft.com/office/powerpoint/2010/main" val="1756403280"/>
+      </p:ext>
+    </p:extLst>
+  </p:cSld>
+  <p:clrMapOvr>
+    <a:masterClrMapping/>
+  </p:clrMapOvr>
+</p:sld>
+</file>
+
+<file path=ppt/slides/slide11.xml><?xml version="1.0" encoding="utf-8"?>
+<p:sld xmlns:a="http://schemas.openxmlformats.org/drawingml/2006/main" xmlns:r="http://schemas.openxmlformats.org/officeDocument/2006/relationships" xmlns:p="http://schemas.openxmlformats.org/presentationml/2006/main">
+  <p:cSld>
+    <p:spTree>
+      <p:nvGrpSpPr>
+        <p:cNvPr id="1" name=""/>
+        <p:cNvGrpSpPr/>
+        <p:nvPr/>
+      </p:nvGrpSpPr>
+      <p:grpSpPr>
+        <a:xfrm>
+          <a:off x="0" y="0"/>
+          <a:ext cx="0" cy="0"/>
+          <a:chOff x="0" y="0"/>
+          <a:chExt cx="0" cy="0"/>
+        </a:xfrm>
+      </p:grpSpPr>
+      <p:sp>
+        <p:nvSpPr>
+          <p:cNvPr id="2" name="Title 1">
+            <a:extLst>
+              <a:ext uri="{FF2B5EF4-FFF2-40B4-BE49-F238E27FC236}">
+                <a16:creationId xmlns:a16="http://schemas.microsoft.com/office/drawing/2014/main" id="{274638F4-B953-A0CF-D4E5-DDFBC87997E6}"/>
+              </a:ext>
+            </a:extLst>
+          </p:cNvPr>
+          <p:cNvSpPr>
+            <a:spLocks noGrp="1"/>
+          </p:cNvSpPr>
+          <p:nvPr>
+            <p:ph type="title"/>
+          </p:nvPr>
+        </p:nvSpPr>
+        <p:spPr/>
+        <p:txBody>
+          <a:bodyPr>
+            <a:normAutofit fontScale="90000"/>
+          </a:bodyPr>
+          <a:lstStyle/>
+          <a:p>
+            <a:r>
+              <a:rPr lang="en-US" dirty="0"/>
+              <a:t>Admin Account Admin Tools – Appointments</a:t>
+            </a:r>
+            <a:endParaRPr lang="en-US" b="1" dirty="0"/>
+          </a:p>
+        </p:txBody>
+      </p:sp>
+      <p:sp>
+        <p:nvSpPr>
+          <p:cNvPr id="3" name="Content Placeholder 2">
+            <a:extLst>
+              <a:ext uri="{FF2B5EF4-FFF2-40B4-BE49-F238E27FC236}">
+                <a16:creationId xmlns:a16="http://schemas.microsoft.com/office/drawing/2014/main" id="{5625CECF-6797-A62C-E35A-B43AD976061E}"/>
+              </a:ext>
+            </a:extLst>
+          </p:cNvPr>
+          <p:cNvSpPr>
+            <a:spLocks noGrp="1"/>
+          </p:cNvSpPr>
+          <p:nvPr>
+            <p:ph idx="1"/>
+          </p:nvPr>
+        </p:nvSpPr>
+        <p:spPr/>
+        <p:txBody>
+          <a:bodyPr/>
+          <a:lstStyle/>
+          <a:p>
+            <a:r>
+              <a:rPr lang="en-US" dirty="0"/>
+              <a:t>All doctors can see ALL appointments in the database, including those of other doctors.</a:t>
+            </a:r>
+          </a:p>
+        </p:txBody>
+      </p:sp>
+      <p:pic>
+        <p:nvPicPr>
+          <p:cNvPr id="5" name="Picture 4">
+            <a:extLst>
+              <a:ext uri="{FF2B5EF4-FFF2-40B4-BE49-F238E27FC236}">
+                <a16:creationId xmlns:a16="http://schemas.microsoft.com/office/drawing/2014/main" id="{7CC1EA8C-A3DA-7526-402E-48F946BCB064}"/>
+              </a:ext>
+            </a:extLst>
+          </p:cNvPr>
+          <p:cNvPicPr>
+            <a:picLocks noChangeAspect="1"/>
+          </p:cNvPicPr>
+          <p:nvPr/>
+        </p:nvPicPr>
+        <p:blipFill>
+          <a:blip r:embed="rId2"/>
+          <a:stretch>
+            <a:fillRect/>
+          </a:stretch>
+        </p:blipFill>
+        <p:spPr>
+          <a:xfrm>
+            <a:off x="3490711" y="3364173"/>
+            <a:ext cx="5210577" cy="3179927"/>
+          </a:xfrm>
+          <a:prstGeom prst="rect">
+            <a:avLst/>
+          </a:prstGeom>
+        </p:spPr>
+      </p:pic>
+    </p:spTree>
+    <p:extLst>
+      <p:ext uri="{BB962C8B-B14F-4D97-AF65-F5344CB8AC3E}">
+        <p14:creationId xmlns:p14="http://schemas.microsoft.com/office/powerpoint/2010/main" val="87391122"/>
+      </p:ext>
+    </p:extLst>
+  </p:cSld>
+  <p:clrMapOvr>
+    <a:masterClrMapping/>
+  </p:clrMapOvr>
+</p:sld>
+</file>
+
+<file path=ppt/slides/slide12.xml><?xml version="1.0" encoding="utf-8"?>
+<p:sld xmlns:a="http://schemas.openxmlformats.org/drawingml/2006/main" xmlns:r="http://schemas.openxmlformats.org/officeDocument/2006/relationships" xmlns:p="http://schemas.openxmlformats.org/presentationml/2006/main">
+  <p:cSld>
+    <p:spTree>
+      <p:nvGrpSpPr>
+        <p:cNvPr id="1" name=""/>
+        <p:cNvGrpSpPr/>
+        <p:nvPr/>
+      </p:nvGrpSpPr>
+      <p:grpSpPr>
+        <a:xfrm>
+          <a:off x="0" y="0"/>
+          <a:ext cx="0" cy="0"/>
+          <a:chOff x="0" y="0"/>
+          <a:chExt cx="0" cy="0"/>
+        </a:xfrm>
+      </p:grpSpPr>
+      <p:sp>
+        <p:nvSpPr>
+          <p:cNvPr id="2" name="Title 1">
+            <a:extLst>
+              <a:ext uri="{FF2B5EF4-FFF2-40B4-BE49-F238E27FC236}">
+                <a16:creationId xmlns:a16="http://schemas.microsoft.com/office/drawing/2014/main" id="{E87C5A9E-32CF-0426-81BB-E25B41A1AEE5}"/>
+              </a:ext>
+            </a:extLst>
+          </p:cNvPr>
+          <p:cNvSpPr>
+            <a:spLocks noGrp="1"/>
+          </p:cNvSpPr>
+          <p:nvPr>
+            <p:ph type="title"/>
+          </p:nvPr>
+        </p:nvSpPr>
+        <p:spPr/>
+        <p:txBody>
+          <a:bodyPr>
+            <a:normAutofit/>
+          </a:bodyPr>
+          <a:lstStyle/>
+          <a:p>
+            <a:r>
+              <a:rPr lang="en-US" dirty="0"/>
+              <a:t>Admin Account Admin Tools – Prescriptions</a:t>
+            </a:r>
+          </a:p>
+        </p:txBody>
+      </p:sp>
+      <p:sp>
+        <p:nvSpPr>
+          <p:cNvPr id="3" name="Content Placeholder 2">
+            <a:extLst>
+              <a:ext uri="{FF2B5EF4-FFF2-40B4-BE49-F238E27FC236}">
+                <a16:creationId xmlns:a16="http://schemas.microsoft.com/office/drawing/2014/main" id="{A97D9FCC-A1B7-93AE-6D1F-F192AAC70861}"/>
+              </a:ext>
+            </a:extLst>
+          </p:cNvPr>
+          <p:cNvSpPr>
+            <a:spLocks noGrp="1"/>
+          </p:cNvSpPr>
+          <p:nvPr>
+            <p:ph idx="1"/>
+          </p:nvPr>
+        </p:nvSpPr>
+        <p:spPr/>
+        <p:txBody>
+          <a:bodyPr/>
+          <a:lstStyle/>
+          <a:p>
+            <a:r>
+              <a:rPr lang="en-US" dirty="0"/>
+              <a:t>Doctors can see ALL prescriptions in the database, and change the description, as well as viewing the prescription.</a:t>
+            </a:r>
+          </a:p>
+        </p:txBody>
+      </p:sp>
+      <p:pic>
+        <p:nvPicPr>
+          <p:cNvPr id="5" name="Picture 4">
+            <a:extLst>
+              <a:ext uri="{FF2B5EF4-FFF2-40B4-BE49-F238E27FC236}">
+                <a16:creationId xmlns:a16="http://schemas.microsoft.com/office/drawing/2014/main" id="{1C287853-49A8-1340-B47F-DA7C2E4D0F1D}"/>
+              </a:ext>
+            </a:extLst>
+          </p:cNvPr>
+          <p:cNvPicPr>
+            <a:picLocks noChangeAspect="1"/>
+          </p:cNvPicPr>
+          <p:nvPr/>
+        </p:nvPicPr>
+        <p:blipFill>
+          <a:blip r:embed="rId2"/>
+          <a:stretch>
+            <a:fillRect/>
+          </a:stretch>
+        </p:blipFill>
+        <p:spPr>
+          <a:xfrm>
+            <a:off x="2221351" y="3314720"/>
+            <a:ext cx="7369791" cy="1648214"/>
+          </a:xfrm>
+          <a:prstGeom prst="rect">
+            <a:avLst/>
+          </a:prstGeom>
+        </p:spPr>
+      </p:pic>
+      <p:pic>
+        <p:nvPicPr>
+          <p:cNvPr id="7" name="Picture 6">
+            <a:extLst>
+              <a:ext uri="{FF2B5EF4-FFF2-40B4-BE49-F238E27FC236}">
+                <a16:creationId xmlns:a16="http://schemas.microsoft.com/office/drawing/2014/main" id="{BB21DC20-BCC5-D8A5-FC57-259BF510B48F}"/>
+              </a:ext>
+            </a:extLst>
+          </p:cNvPr>
+          <p:cNvPicPr>
+            <a:picLocks noChangeAspect="1"/>
+          </p:cNvPicPr>
+          <p:nvPr/>
+        </p:nvPicPr>
+        <p:blipFill>
+          <a:blip r:embed="rId3"/>
+          <a:stretch>
+            <a:fillRect/>
+          </a:stretch>
+        </p:blipFill>
+        <p:spPr>
+          <a:xfrm>
+            <a:off x="2221351" y="4962934"/>
+            <a:ext cx="7369791" cy="1633975"/>
+          </a:xfrm>
+          <a:prstGeom prst="rect">
+            <a:avLst/>
+          </a:prstGeom>
+        </p:spPr>
+      </p:pic>
+    </p:spTree>
+    <p:extLst>
+      <p:ext uri="{BB962C8B-B14F-4D97-AF65-F5344CB8AC3E}">
+        <p14:creationId xmlns:p14="http://schemas.microsoft.com/office/powerpoint/2010/main" val="3226572895"/>
+      </p:ext>
+    </p:extLst>
+  </p:cSld>
+  <p:clrMapOvr>
+    <a:masterClrMapping/>
+  </p:clrMapOvr>
+</p:sld>
+</file>
+
+<file path=ppt/slides/slide13.xml><?xml version="1.0" encoding="utf-8"?>
+<p:sld xmlns:a="http://schemas.openxmlformats.org/drawingml/2006/main" xmlns:r="http://schemas.openxmlformats.org/officeDocument/2006/relationships" xmlns:p="http://schemas.openxmlformats.org/presentationml/2006/main">
+  <p:cSld>
+    <p:spTree>
+      <p:nvGrpSpPr>
         <p:cNvPr id="1" name=""/>
         <p:cNvGrpSpPr/>
         <p:nvPr/>
@@ -4055,7 +4419,7 @@
 </p:sld>
 </file>
 
-<file path=ppt/slides/slide11.xml><?xml version="1.0" encoding="utf-8"?>
+<file path=ppt/slides/slide14.xml><?xml version="1.0" encoding="utf-8"?>
 <p:sld xmlns:a="http://schemas.openxmlformats.org/drawingml/2006/main" xmlns:r="http://schemas.openxmlformats.org/officeDocument/2006/relationships" xmlns:p="http://schemas.openxmlformats.org/presentationml/2006/main">
   <p:cSld>
     <p:spTree>
@@ -4209,7 +4573,7 @@
 </p:sld>
 </file>
 
-<file path=ppt/slides/slide12.xml><?xml version="1.0" encoding="utf-8"?>
+<file path=ppt/slides/slide15.xml><?xml version="1.0" encoding="utf-8"?>
 <p:sld xmlns:a="http://schemas.openxmlformats.org/drawingml/2006/main" xmlns:r="http://schemas.openxmlformats.org/officeDocument/2006/relationships" xmlns:p="http://schemas.openxmlformats.org/presentationml/2006/main">
   <p:cSld>
     <p:spTree>
@@ -4397,7 +4761,7 @@
         <p:spPr/>
         <p:txBody>
           <a:bodyPr>
-            <a:normAutofit lnSpcReduction="10000"/>
+            <a:normAutofit/>
           </a:bodyPr>
           <a:lstStyle/>
           <a:p>
@@ -4417,7 +4781,7 @@
             <a:pPr lvl="1"/>
             <a:r>
               <a:rPr lang="en-US" dirty="0"/>
-              <a:t>Booking an Appointment.</a:t>
+              <a:t>Booking an Appointment (and field).</a:t>
             </a:r>
           </a:p>
           <a:p>
@@ -4428,13 +4792,6 @@
             </a:r>
           </a:p>
           <a:p>
-            <a:pPr lvl="1"/>
-            <a:r>
-              <a:rPr lang="en-US" dirty="0"/>
-              <a:t>Appointment Field</a:t>
-            </a:r>
-          </a:p>
-          <a:p>
             <a:r>
               <a:rPr lang="en-US" dirty="0"/>
               <a:t>Admin Account (Doctor)</a:t>
@@ -4457,10 +4814,9 @@
           <a:p>
             <a:pPr lvl="1"/>
             <a:r>
-              <a:rPr lang="en-US"/>
+              <a:rPr lang="en-US" dirty="0"/>
               <a:t>Analytics.</a:t>
             </a:r>
-            <a:endParaRPr lang="en-US" dirty="0"/>
           </a:p>
           <a:p>
             <a:pPr lvl="1"/>
@@ -4482,6 +4838,423 @@
 </file>
 
 <file path=ppt/slides/slide3.xml><?xml version="1.0" encoding="utf-8"?>
+<p:sld xmlns:a="http://schemas.openxmlformats.org/drawingml/2006/main" xmlns:r="http://schemas.openxmlformats.org/officeDocument/2006/relationships" xmlns:p="http://schemas.openxmlformats.org/presentationml/2006/main">
+  <p:cSld>
+    <p:spTree>
+      <p:nvGrpSpPr>
+        <p:cNvPr id="1" name=""/>
+        <p:cNvGrpSpPr/>
+        <p:nvPr/>
+      </p:nvGrpSpPr>
+      <p:grpSpPr>
+        <a:xfrm>
+          <a:off x="0" y="0"/>
+          <a:ext cx="0" cy="0"/>
+          <a:chOff x="0" y="0"/>
+          <a:chExt cx="0" cy="0"/>
+        </a:xfrm>
+      </p:grpSpPr>
+      <p:sp>
+        <p:nvSpPr>
+          <p:cNvPr id="2" name="Title 1">
+            <a:extLst>
+              <a:ext uri="{FF2B5EF4-FFF2-40B4-BE49-F238E27FC236}">
+                <a16:creationId xmlns:a16="http://schemas.microsoft.com/office/drawing/2014/main" id="{112DDF7D-7FD2-FD0C-FCA0-EEFFDB8D1FE2}"/>
+              </a:ext>
+            </a:extLst>
+          </p:cNvPr>
+          <p:cNvSpPr>
+            <a:spLocks noGrp="1"/>
+          </p:cNvSpPr>
+          <p:nvPr>
+            <p:ph type="title"/>
+          </p:nvPr>
+        </p:nvSpPr>
+        <p:spPr/>
+        <p:txBody>
+          <a:bodyPr/>
+          <a:lstStyle/>
+          <a:p>
+            <a:r>
+              <a:rPr lang="en-US" dirty="0"/>
+              <a:t>Normal User Creating an Account</a:t>
+            </a:r>
+          </a:p>
+        </p:txBody>
+      </p:sp>
+      <p:sp>
+        <p:nvSpPr>
+          <p:cNvPr id="3" name="Content Placeholder 2">
+            <a:extLst>
+              <a:ext uri="{FF2B5EF4-FFF2-40B4-BE49-F238E27FC236}">
+                <a16:creationId xmlns:a16="http://schemas.microsoft.com/office/drawing/2014/main" id="{468F6EE7-495D-02ED-B45F-6A3085448C21}"/>
+              </a:ext>
+            </a:extLst>
+          </p:cNvPr>
+          <p:cNvSpPr>
+            <a:spLocks noGrp="1"/>
+          </p:cNvSpPr>
+          <p:nvPr>
+            <p:ph idx="1"/>
+          </p:nvPr>
+        </p:nvSpPr>
+        <p:spPr/>
+        <p:txBody>
+          <a:bodyPr/>
+          <a:lstStyle/>
+          <a:p>
+            <a:r>
+              <a:rPr lang="en-US" dirty="0"/>
+              <a:t>Any person can create an account, simply using their First Name, Last Name, Email, and a Password. This will automatically insert the new user into the database. In legacy versions, an email confirmation was required, however this was discontinued.</a:t>
+            </a:r>
+          </a:p>
+        </p:txBody>
+      </p:sp>
+      <p:pic>
+        <p:nvPicPr>
+          <p:cNvPr id="5" name="Picture 4">
+            <a:extLst>
+              <a:ext uri="{FF2B5EF4-FFF2-40B4-BE49-F238E27FC236}">
+                <a16:creationId xmlns:a16="http://schemas.microsoft.com/office/drawing/2014/main" id="{F73E92DF-CC21-7CD5-6423-8D5A393261B9}"/>
+              </a:ext>
+            </a:extLst>
+          </p:cNvPr>
+          <p:cNvPicPr>
+            <a:picLocks noChangeAspect="1"/>
+          </p:cNvPicPr>
+          <p:nvPr/>
+        </p:nvPicPr>
+        <p:blipFill>
+          <a:blip r:embed="rId2"/>
+          <a:stretch>
+            <a:fillRect/>
+          </a:stretch>
+        </p:blipFill>
+        <p:spPr>
+          <a:xfrm>
+            <a:off x="955343" y="4101996"/>
+            <a:ext cx="3527692" cy="2687765"/>
+          </a:xfrm>
+          <a:prstGeom prst="rect">
+            <a:avLst/>
+          </a:prstGeom>
+        </p:spPr>
+      </p:pic>
+      <p:pic>
+        <p:nvPicPr>
+          <p:cNvPr id="7" name="Picture 6">
+            <a:extLst>
+              <a:ext uri="{FF2B5EF4-FFF2-40B4-BE49-F238E27FC236}">
+                <a16:creationId xmlns:a16="http://schemas.microsoft.com/office/drawing/2014/main" id="{F2F3BBA5-58B2-227E-2B5A-1E4D76B381BE}"/>
+              </a:ext>
+            </a:extLst>
+          </p:cNvPr>
+          <p:cNvPicPr>
+            <a:picLocks noChangeAspect="1"/>
+          </p:cNvPicPr>
+          <p:nvPr/>
+        </p:nvPicPr>
+        <p:blipFill>
+          <a:blip r:embed="rId3"/>
+          <a:stretch>
+            <a:fillRect/>
+          </a:stretch>
+        </p:blipFill>
+        <p:spPr>
+          <a:xfrm>
+            <a:off x="5166736" y="4047331"/>
+            <a:ext cx="6467981" cy="2290277"/>
+          </a:xfrm>
+          <a:prstGeom prst="rect">
+            <a:avLst/>
+          </a:prstGeom>
+        </p:spPr>
+      </p:pic>
+    </p:spTree>
+    <p:extLst>
+      <p:ext uri="{BB962C8B-B14F-4D97-AF65-F5344CB8AC3E}">
+        <p14:creationId xmlns:p14="http://schemas.microsoft.com/office/powerpoint/2010/main" val="2056058438"/>
+      </p:ext>
+    </p:extLst>
+  </p:cSld>
+  <p:clrMapOvr>
+    <a:masterClrMapping/>
+  </p:clrMapOvr>
+</p:sld>
+</file>
+
+<file path=ppt/slides/slide4.xml><?xml version="1.0" encoding="utf-8"?>
+<p:sld xmlns:a="http://schemas.openxmlformats.org/drawingml/2006/main" xmlns:r="http://schemas.openxmlformats.org/officeDocument/2006/relationships" xmlns:p="http://schemas.openxmlformats.org/presentationml/2006/main">
+  <p:cSld>
+    <p:spTree>
+      <p:nvGrpSpPr>
+        <p:cNvPr id="1" name=""/>
+        <p:cNvGrpSpPr/>
+        <p:nvPr/>
+      </p:nvGrpSpPr>
+      <p:grpSpPr>
+        <a:xfrm>
+          <a:off x="0" y="0"/>
+          <a:ext cx="0" cy="0"/>
+          <a:chOff x="0" y="0"/>
+          <a:chExt cx="0" cy="0"/>
+        </a:xfrm>
+      </p:grpSpPr>
+      <p:sp>
+        <p:nvSpPr>
+          <p:cNvPr id="2" name="Title 1">
+            <a:extLst>
+              <a:ext uri="{FF2B5EF4-FFF2-40B4-BE49-F238E27FC236}">
+                <a16:creationId xmlns:a16="http://schemas.microsoft.com/office/drawing/2014/main" id="{E61021A3-C027-C1DF-0BBD-DCEA2E5EE936}"/>
+              </a:ext>
+            </a:extLst>
+          </p:cNvPr>
+          <p:cNvSpPr>
+            <a:spLocks noGrp="1"/>
+          </p:cNvSpPr>
+          <p:nvPr>
+            <p:ph type="title"/>
+          </p:nvPr>
+        </p:nvSpPr>
+        <p:spPr/>
+        <p:txBody>
+          <a:bodyPr>
+            <a:normAutofit fontScale="90000"/>
+          </a:bodyPr>
+          <a:lstStyle/>
+          <a:p>
+            <a:r>
+              <a:rPr lang="en-US" dirty="0"/>
+              <a:t>Normal User Booking an Appointment (and field)</a:t>
+            </a:r>
+          </a:p>
+        </p:txBody>
+      </p:sp>
+      <p:sp>
+        <p:nvSpPr>
+          <p:cNvPr id="3" name="Content Placeholder 2">
+            <a:extLst>
+              <a:ext uri="{FF2B5EF4-FFF2-40B4-BE49-F238E27FC236}">
+                <a16:creationId xmlns:a16="http://schemas.microsoft.com/office/drawing/2014/main" id="{7FD11BB3-1778-5819-5E74-42156F82E0B9}"/>
+              </a:ext>
+            </a:extLst>
+          </p:cNvPr>
+          <p:cNvSpPr>
+            <a:spLocks noGrp="1"/>
+          </p:cNvSpPr>
+          <p:nvPr>
+            <p:ph idx="1"/>
+          </p:nvPr>
+        </p:nvSpPr>
+        <p:spPr/>
+        <p:txBody>
+          <a:bodyPr/>
+          <a:lstStyle/>
+          <a:p>
+            <a:r>
+              <a:rPr lang="en-US" dirty="0"/>
+              <a:t>A patient can book an appointment. This appointment requires a date, a time, and a doctor (queried from database). This will check for schedule conflicts by looking at the selected doctor and comparing times.</a:t>
+            </a:r>
+          </a:p>
+        </p:txBody>
+      </p:sp>
+      <p:pic>
+        <p:nvPicPr>
+          <p:cNvPr id="5" name="Picture 4">
+            <a:extLst>
+              <a:ext uri="{FF2B5EF4-FFF2-40B4-BE49-F238E27FC236}">
+                <a16:creationId xmlns:a16="http://schemas.microsoft.com/office/drawing/2014/main" id="{5F8A0886-EE44-01F1-2118-3B3EAE67D81B}"/>
+              </a:ext>
+            </a:extLst>
+          </p:cNvPr>
+          <p:cNvPicPr>
+            <a:picLocks noChangeAspect="1"/>
+          </p:cNvPicPr>
+          <p:nvPr/>
+        </p:nvPicPr>
+        <p:blipFill>
+          <a:blip r:embed="rId2"/>
+          <a:stretch>
+            <a:fillRect/>
+          </a:stretch>
+        </p:blipFill>
+        <p:spPr>
+          <a:xfrm>
+            <a:off x="7376615" y="3488329"/>
+            <a:ext cx="4644750" cy="3112184"/>
+          </a:xfrm>
+          <a:prstGeom prst="rect">
+            <a:avLst/>
+          </a:prstGeom>
+        </p:spPr>
+      </p:pic>
+      <p:pic>
+        <p:nvPicPr>
+          <p:cNvPr id="7" name="Picture 6">
+            <a:extLst>
+              <a:ext uri="{FF2B5EF4-FFF2-40B4-BE49-F238E27FC236}">
+                <a16:creationId xmlns:a16="http://schemas.microsoft.com/office/drawing/2014/main" id="{FA38A10F-EB3B-B541-627D-E2EA5D372621}"/>
+              </a:ext>
+            </a:extLst>
+          </p:cNvPr>
+          <p:cNvPicPr>
+            <a:picLocks noChangeAspect="1"/>
+          </p:cNvPicPr>
+          <p:nvPr/>
+        </p:nvPicPr>
+        <p:blipFill>
+          <a:blip r:embed="rId3"/>
+          <a:stretch>
+            <a:fillRect/>
+          </a:stretch>
+        </p:blipFill>
+        <p:spPr>
+          <a:xfrm>
+            <a:off x="3753373" y="3596603"/>
+            <a:ext cx="3458013" cy="2895637"/>
+          </a:xfrm>
+          <a:prstGeom prst="rect">
+            <a:avLst/>
+          </a:prstGeom>
+        </p:spPr>
+      </p:pic>
+    </p:spTree>
+    <p:extLst>
+      <p:ext uri="{BB962C8B-B14F-4D97-AF65-F5344CB8AC3E}">
+        <p14:creationId xmlns:p14="http://schemas.microsoft.com/office/powerpoint/2010/main" val="3364589938"/>
+      </p:ext>
+    </p:extLst>
+  </p:cSld>
+  <p:clrMapOvr>
+    <a:masterClrMapping/>
+  </p:clrMapOvr>
+</p:sld>
+</file>
+
+<file path=ppt/slides/slide5.xml><?xml version="1.0" encoding="utf-8"?>
+<p:sld xmlns:a="http://schemas.openxmlformats.org/drawingml/2006/main" xmlns:r="http://schemas.openxmlformats.org/officeDocument/2006/relationships" xmlns:p="http://schemas.openxmlformats.org/presentationml/2006/main">
+  <p:cSld>
+    <p:spTree>
+      <p:nvGrpSpPr>
+        <p:cNvPr id="1" name=""/>
+        <p:cNvGrpSpPr/>
+        <p:nvPr/>
+      </p:nvGrpSpPr>
+      <p:grpSpPr>
+        <a:xfrm>
+          <a:off x="0" y="0"/>
+          <a:ext cx="0" cy="0"/>
+          <a:chOff x="0" y="0"/>
+          <a:chExt cx="0" cy="0"/>
+        </a:xfrm>
+      </p:grpSpPr>
+      <p:sp>
+        <p:nvSpPr>
+          <p:cNvPr id="2" name="Title 1">
+            <a:extLst>
+              <a:ext uri="{FF2B5EF4-FFF2-40B4-BE49-F238E27FC236}">
+                <a16:creationId xmlns:a16="http://schemas.microsoft.com/office/drawing/2014/main" id="{5B148D29-FED6-3AD2-A88A-5BA7EA82E10A}"/>
+              </a:ext>
+            </a:extLst>
+          </p:cNvPr>
+          <p:cNvSpPr>
+            <a:spLocks noGrp="1"/>
+          </p:cNvSpPr>
+          <p:nvPr>
+            <p:ph type="title"/>
+          </p:nvPr>
+        </p:nvSpPr>
+        <p:spPr/>
+        <p:txBody>
+          <a:bodyPr/>
+          <a:lstStyle/>
+          <a:p>
+            <a:r>
+              <a:rPr lang="en-US" dirty="0"/>
+              <a:t>Normal User Prescription Viewer</a:t>
+            </a:r>
+          </a:p>
+        </p:txBody>
+      </p:sp>
+      <p:sp>
+        <p:nvSpPr>
+          <p:cNvPr id="3" name="Content Placeholder 2">
+            <a:extLst>
+              <a:ext uri="{FF2B5EF4-FFF2-40B4-BE49-F238E27FC236}">
+                <a16:creationId xmlns:a16="http://schemas.microsoft.com/office/drawing/2014/main" id="{B49CC2B1-DB5C-49DD-6170-87BB0EA8ED65}"/>
+              </a:ext>
+            </a:extLst>
+          </p:cNvPr>
+          <p:cNvSpPr>
+            <a:spLocks noGrp="1"/>
+          </p:cNvSpPr>
+          <p:nvPr>
+            <p:ph idx="1"/>
+          </p:nvPr>
+        </p:nvSpPr>
+        <p:spPr/>
+        <p:txBody>
+          <a:bodyPr/>
+          <a:lstStyle/>
+          <a:p>
+            <a:r>
+              <a:rPr lang="en-US" dirty="0"/>
+              <a:t>A user can download and view a prescription assigned to them by a doctor. This creates a full cycle web app. Beginning from account creation -&gt; appointment -&gt; appointment remarks (by doctor) -&gt; interactive prescription.</a:t>
+            </a:r>
+            <a:br>
+              <a:rPr lang="en-US" dirty="0"/>
+            </a:br>
+            <a:br>
+              <a:rPr lang="en-US" dirty="0"/>
+            </a:br>
+            <a:endParaRPr lang="en-US" dirty="0"/>
+          </a:p>
+        </p:txBody>
+      </p:sp>
+      <p:pic>
+        <p:nvPicPr>
+          <p:cNvPr id="5" name="Picture 4">
+            <a:extLst>
+              <a:ext uri="{FF2B5EF4-FFF2-40B4-BE49-F238E27FC236}">
+                <a16:creationId xmlns:a16="http://schemas.microsoft.com/office/drawing/2014/main" id="{8F8B7D97-6832-C6B3-2444-A7E9E628A892}"/>
+              </a:ext>
+            </a:extLst>
+          </p:cNvPr>
+          <p:cNvPicPr>
+            <a:picLocks noChangeAspect="1"/>
+          </p:cNvPicPr>
+          <p:nvPr/>
+        </p:nvPicPr>
+        <p:blipFill>
+          <a:blip r:embed="rId2"/>
+          <a:stretch>
+            <a:fillRect/>
+          </a:stretch>
+        </p:blipFill>
+        <p:spPr>
+          <a:xfrm>
+            <a:off x="1994687" y="4140228"/>
+            <a:ext cx="8202625" cy="2635885"/>
+          </a:xfrm>
+          <a:prstGeom prst="rect">
+            <a:avLst/>
+          </a:prstGeom>
+        </p:spPr>
+      </p:pic>
+    </p:spTree>
+    <p:extLst>
+      <p:ext uri="{BB962C8B-B14F-4D97-AF65-F5344CB8AC3E}">
+        <p14:creationId xmlns:p14="http://schemas.microsoft.com/office/powerpoint/2010/main" val="2094913972"/>
+      </p:ext>
+    </p:extLst>
+  </p:cSld>
+  <p:clrMapOvr>
+    <a:masterClrMapping/>
+  </p:clrMapOvr>
+</p:sld>
+</file>
+
+<file path=ppt/slides/slide6.xml><?xml version="1.0" encoding="utf-8"?>
 <p:sld xmlns:a="http://schemas.openxmlformats.org/drawingml/2006/main" xmlns:r="http://schemas.openxmlformats.org/officeDocument/2006/relationships" xmlns:p="http://schemas.openxmlformats.org/presentationml/2006/main">
   <p:cSld>
     <p:spTree>
@@ -4597,7 +5370,7 @@
 </p:sld>
 </file>
 
-<file path=ppt/slides/slide4.xml><?xml version="1.0" encoding="utf-8"?>
+<file path=ppt/slides/slide7.xml><?xml version="1.0" encoding="utf-8"?>
 <p:sld xmlns:a="http://schemas.openxmlformats.org/drawingml/2006/main" xmlns:r="http://schemas.openxmlformats.org/officeDocument/2006/relationships" xmlns:p="http://schemas.openxmlformats.org/presentationml/2006/main">
   <p:cSld>
     <p:spTree>
@@ -4715,334 +5488,6 @@
 </p:sld>
 </file>
 
-<file path=ppt/slides/slide5.xml><?xml version="1.0" encoding="utf-8"?>
-<p:sld xmlns:a="http://schemas.openxmlformats.org/drawingml/2006/main" xmlns:r="http://schemas.openxmlformats.org/officeDocument/2006/relationships" xmlns:p="http://schemas.openxmlformats.org/presentationml/2006/main">
-  <p:cSld>
-    <p:spTree>
-      <p:nvGrpSpPr>
-        <p:cNvPr id="1" name=""/>
-        <p:cNvGrpSpPr/>
-        <p:nvPr/>
-      </p:nvGrpSpPr>
-      <p:grpSpPr>
-        <a:xfrm>
-          <a:off x="0" y="0"/>
-          <a:ext cx="0" cy="0"/>
-          <a:chOff x="0" y="0"/>
-          <a:chExt cx="0" cy="0"/>
-        </a:xfrm>
-      </p:grpSpPr>
-      <p:sp>
-        <p:nvSpPr>
-          <p:cNvPr id="2" name="Title 1">
-            <a:extLst>
-              <a:ext uri="{FF2B5EF4-FFF2-40B4-BE49-F238E27FC236}">
-                <a16:creationId xmlns:a16="http://schemas.microsoft.com/office/drawing/2014/main" id="{7C8CD4D3-E29C-70F5-3355-91B54A09B592}"/>
-              </a:ext>
-            </a:extLst>
-          </p:cNvPr>
-          <p:cNvSpPr>
-            <a:spLocks noGrp="1"/>
-          </p:cNvSpPr>
-          <p:nvPr>
-            <p:ph type="title"/>
-          </p:nvPr>
-        </p:nvSpPr>
-        <p:spPr/>
-        <p:txBody>
-          <a:bodyPr/>
-          <a:lstStyle/>
-          <a:p>
-            <a:r>
-              <a:rPr lang="en-US" dirty="0"/>
-              <a:t>Admin Account Dashboard - Appointment </a:t>
-            </a:r>
-          </a:p>
-        </p:txBody>
-      </p:sp>
-      <p:sp>
-        <p:nvSpPr>
-          <p:cNvPr id="3" name="Content Placeholder 2">
-            <a:extLst>
-              <a:ext uri="{FF2B5EF4-FFF2-40B4-BE49-F238E27FC236}">
-                <a16:creationId xmlns:a16="http://schemas.microsoft.com/office/drawing/2014/main" id="{1AB2365D-23CF-D024-0691-D56D00FB4435}"/>
-              </a:ext>
-            </a:extLst>
-          </p:cNvPr>
-          <p:cNvSpPr>
-            <a:spLocks noGrp="1"/>
-          </p:cNvSpPr>
-          <p:nvPr>
-            <p:ph idx="1"/>
-          </p:nvPr>
-        </p:nvSpPr>
-        <p:spPr/>
-        <p:txBody>
-          <a:bodyPr/>
-          <a:lstStyle/>
-          <a:p>
-            <a:r>
-              <a:rPr lang="en-US" dirty="0"/>
-              <a:t>Just like a normal account (patients), admin accounts (doctors) also have an appointment panel.</a:t>
-            </a:r>
-          </a:p>
-        </p:txBody>
-      </p:sp>
-      <p:pic>
-        <p:nvPicPr>
-          <p:cNvPr id="5" name="Picture 4">
-            <a:extLst>
-              <a:ext uri="{FF2B5EF4-FFF2-40B4-BE49-F238E27FC236}">
-                <a16:creationId xmlns:a16="http://schemas.microsoft.com/office/drawing/2014/main" id="{4F0E6884-E598-DDC5-3032-EAA9E11EBD5F}"/>
-              </a:ext>
-            </a:extLst>
-          </p:cNvPr>
-          <p:cNvPicPr>
-            <a:picLocks noChangeAspect="1"/>
-          </p:cNvPicPr>
-          <p:nvPr/>
-        </p:nvPicPr>
-        <p:blipFill>
-          <a:blip r:embed="rId2"/>
-          <a:stretch>
-            <a:fillRect/>
-          </a:stretch>
-        </p:blipFill>
-        <p:spPr>
-          <a:xfrm>
-            <a:off x="1079489" y="3222436"/>
-            <a:ext cx="9653516" cy="3375101"/>
-          </a:xfrm>
-          <a:prstGeom prst="rect">
-            <a:avLst/>
-          </a:prstGeom>
-        </p:spPr>
-      </p:pic>
-    </p:spTree>
-    <p:extLst>
-      <p:ext uri="{BB962C8B-B14F-4D97-AF65-F5344CB8AC3E}">
-        <p14:creationId xmlns:p14="http://schemas.microsoft.com/office/powerpoint/2010/main" val="2497400689"/>
-      </p:ext>
-    </p:extLst>
-  </p:cSld>
-  <p:clrMapOvr>
-    <a:masterClrMapping/>
-  </p:clrMapOvr>
-</p:sld>
-</file>
-
-<file path=ppt/slides/slide6.xml><?xml version="1.0" encoding="utf-8"?>
-<p:sld xmlns:a="http://schemas.openxmlformats.org/drawingml/2006/main" xmlns:r="http://schemas.openxmlformats.org/officeDocument/2006/relationships" xmlns:p="http://schemas.openxmlformats.org/presentationml/2006/main">
-  <p:cSld>
-    <p:spTree>
-      <p:nvGrpSpPr>
-        <p:cNvPr id="1" name=""/>
-        <p:cNvGrpSpPr/>
-        <p:nvPr/>
-      </p:nvGrpSpPr>
-      <p:grpSpPr>
-        <a:xfrm>
-          <a:off x="0" y="0"/>
-          <a:ext cx="0" cy="0"/>
-          <a:chOff x="0" y="0"/>
-          <a:chExt cx="0" cy="0"/>
-        </a:xfrm>
-      </p:grpSpPr>
-      <p:sp>
-        <p:nvSpPr>
-          <p:cNvPr id="2" name="Title 1">
-            <a:extLst>
-              <a:ext uri="{FF2B5EF4-FFF2-40B4-BE49-F238E27FC236}">
-                <a16:creationId xmlns:a16="http://schemas.microsoft.com/office/drawing/2014/main" id="{3F5B7BB9-D5AA-5AA9-E4ED-78D3B05E9279}"/>
-              </a:ext>
-            </a:extLst>
-          </p:cNvPr>
-          <p:cNvSpPr>
-            <a:spLocks noGrp="1"/>
-          </p:cNvSpPr>
-          <p:nvPr>
-            <p:ph type="title"/>
-          </p:nvPr>
-        </p:nvSpPr>
-        <p:spPr/>
-        <p:txBody>
-          <a:bodyPr>
-            <a:normAutofit fontScale="90000"/>
-          </a:bodyPr>
-          <a:lstStyle/>
-          <a:p>
-            <a:r>
-              <a:rPr lang="en-US" dirty="0"/>
-              <a:t>Admin Account Admin Tools – Managing Users</a:t>
-            </a:r>
-          </a:p>
-        </p:txBody>
-      </p:sp>
-      <p:sp>
-        <p:nvSpPr>
-          <p:cNvPr id="3" name="Content Placeholder 2">
-            <a:extLst>
-              <a:ext uri="{FF2B5EF4-FFF2-40B4-BE49-F238E27FC236}">
-                <a16:creationId xmlns:a16="http://schemas.microsoft.com/office/drawing/2014/main" id="{E5AA167F-3E27-8D5F-F320-367DE7F9A0F0}"/>
-              </a:ext>
-            </a:extLst>
-          </p:cNvPr>
-          <p:cNvSpPr>
-            <a:spLocks noGrp="1"/>
-          </p:cNvSpPr>
-          <p:nvPr>
-            <p:ph idx="1"/>
-          </p:nvPr>
-        </p:nvSpPr>
-        <p:spPr/>
-        <p:txBody>
-          <a:bodyPr/>
-          <a:lstStyle/>
-          <a:p>
-            <a:r>
-              <a:rPr lang="en-US" dirty="0"/>
-              <a:t>An admin account can promote, and demote users from simply being an authorized user, to a patient, and finally to a doctor</a:t>
-            </a:r>
-          </a:p>
-        </p:txBody>
-      </p:sp>
-      <p:pic>
-        <p:nvPicPr>
-          <p:cNvPr id="5" name="Picture 4">
-            <a:extLst>
-              <a:ext uri="{FF2B5EF4-FFF2-40B4-BE49-F238E27FC236}">
-                <a16:creationId xmlns:a16="http://schemas.microsoft.com/office/drawing/2014/main" id="{92CB9366-3E59-0DF9-EA87-A739B415C369}"/>
-              </a:ext>
-            </a:extLst>
-          </p:cNvPr>
-          <p:cNvPicPr>
-            <a:picLocks noChangeAspect="1"/>
-          </p:cNvPicPr>
-          <p:nvPr/>
-        </p:nvPicPr>
-        <p:blipFill>
-          <a:blip r:embed="rId2"/>
-          <a:stretch>
-            <a:fillRect/>
-          </a:stretch>
-        </p:blipFill>
-        <p:spPr>
-          <a:xfrm>
-            <a:off x="519231" y="3230128"/>
-            <a:ext cx="11153538" cy="3469122"/>
-          </a:xfrm>
-          <a:prstGeom prst="rect">
-            <a:avLst/>
-          </a:prstGeom>
-        </p:spPr>
-      </p:pic>
-    </p:spTree>
-    <p:extLst>
-      <p:ext uri="{BB962C8B-B14F-4D97-AF65-F5344CB8AC3E}">
-        <p14:creationId xmlns:p14="http://schemas.microsoft.com/office/powerpoint/2010/main" val="1814619843"/>
-      </p:ext>
-    </p:extLst>
-  </p:cSld>
-  <p:clrMapOvr>
-    <a:masterClrMapping/>
-  </p:clrMapOvr>
-</p:sld>
-</file>
-
-<file path=ppt/slides/slide7.xml><?xml version="1.0" encoding="utf-8"?>
-<p:sld xmlns:a="http://schemas.openxmlformats.org/drawingml/2006/main" xmlns:r="http://schemas.openxmlformats.org/officeDocument/2006/relationships" xmlns:p="http://schemas.openxmlformats.org/presentationml/2006/main">
-  <p:cSld>
-    <p:spTree>
-      <p:nvGrpSpPr>
-        <p:cNvPr id="1" name="">
-          <a:extLst>
-            <a:ext uri="{FF2B5EF4-FFF2-40B4-BE49-F238E27FC236}">
-              <a16:creationId xmlns:a16="http://schemas.microsoft.com/office/drawing/2014/main" id="{4498289A-0B0F-7011-E13D-DD02A81F6BF4}"/>
-            </a:ext>
-          </a:extLst>
-        </p:cNvPr>
-        <p:cNvGrpSpPr/>
-        <p:nvPr/>
-      </p:nvGrpSpPr>
-      <p:grpSpPr>
-        <a:xfrm>
-          <a:off x="0" y="0"/>
-          <a:ext cx="0" cy="0"/>
-          <a:chOff x="0" y="0"/>
-          <a:chExt cx="0" cy="0"/>
-        </a:xfrm>
-      </p:grpSpPr>
-      <p:sp>
-        <p:nvSpPr>
-          <p:cNvPr id="2" name="Title 1">
-            <a:extLst>
-              <a:ext uri="{FF2B5EF4-FFF2-40B4-BE49-F238E27FC236}">
-                <a16:creationId xmlns:a16="http://schemas.microsoft.com/office/drawing/2014/main" id="{983EC583-B1A3-CA43-A119-00CB71D06411}"/>
-              </a:ext>
-            </a:extLst>
-          </p:cNvPr>
-          <p:cNvSpPr>
-            <a:spLocks noGrp="1"/>
-          </p:cNvSpPr>
-          <p:nvPr>
-            <p:ph type="title"/>
-          </p:nvPr>
-        </p:nvSpPr>
-        <p:spPr/>
-        <p:txBody>
-          <a:bodyPr>
-            <a:normAutofit fontScale="90000"/>
-          </a:bodyPr>
-          <a:lstStyle/>
-          <a:p>
-            <a:r>
-              <a:rPr lang="en-US" dirty="0"/>
-              <a:t>Admin Account Admin Tools – Managing Users</a:t>
-            </a:r>
-          </a:p>
-        </p:txBody>
-      </p:sp>
-      <p:sp>
-        <p:nvSpPr>
-          <p:cNvPr id="3" name="Content Placeholder 2">
-            <a:extLst>
-              <a:ext uri="{FF2B5EF4-FFF2-40B4-BE49-F238E27FC236}">
-                <a16:creationId xmlns:a16="http://schemas.microsoft.com/office/drawing/2014/main" id="{351084E7-36C2-68AF-81E7-86352DF356B3}"/>
-              </a:ext>
-            </a:extLst>
-          </p:cNvPr>
-          <p:cNvSpPr>
-            <a:spLocks noGrp="1"/>
-          </p:cNvSpPr>
-          <p:nvPr>
-            <p:ph idx="1"/>
-          </p:nvPr>
-        </p:nvSpPr>
-        <p:spPr/>
-        <p:txBody>
-          <a:bodyPr/>
-          <a:lstStyle/>
-          <a:p>
-            <a:r>
-              <a:rPr lang="en-US" dirty="0"/>
-              <a:t>An admin account can promote, and demote users from simply being an authorized user, to a patient, and finally to a doctor. Once a user is promoted to doctor, they must manually be demoted, a doctor cannot change other doctors' role for security purposes.</a:t>
-            </a:r>
-          </a:p>
-        </p:txBody>
-      </p:sp>
-    </p:spTree>
-    <p:extLst>
-      <p:ext uri="{BB962C8B-B14F-4D97-AF65-F5344CB8AC3E}">
-        <p14:creationId xmlns:p14="http://schemas.microsoft.com/office/powerpoint/2010/main" val="1756403280"/>
-      </p:ext>
-    </p:extLst>
-  </p:cSld>
-  <p:clrMapOvr>
-    <a:masterClrMapping/>
-  </p:clrMapOvr>
-</p:sld>
-</file>
-
 <file path=ppt/slides/slide8.xml><?xml version="1.0" encoding="utf-8"?>
 <p:sld xmlns:a="http://schemas.openxmlformats.org/drawingml/2006/main" xmlns:r="http://schemas.openxmlformats.org/officeDocument/2006/relationships" xmlns:p="http://schemas.openxmlformats.org/presentationml/2006/main">
   <p:cSld>
@@ -5065,7 +5510,7 @@
           <p:cNvPr id="2" name="Title 1">
             <a:extLst>
               <a:ext uri="{FF2B5EF4-FFF2-40B4-BE49-F238E27FC236}">
-                <a16:creationId xmlns:a16="http://schemas.microsoft.com/office/drawing/2014/main" id="{274638F4-B953-A0CF-D4E5-DDFBC87997E6}"/>
+                <a16:creationId xmlns:a16="http://schemas.microsoft.com/office/drawing/2014/main" id="{7C8CD4D3-E29C-70F5-3355-91B54A09B592}"/>
               </a:ext>
             </a:extLst>
           </p:cNvPr>
@@ -5078,16 +5523,13 @@
         </p:nvSpPr>
         <p:spPr/>
         <p:txBody>
-          <a:bodyPr>
-            <a:normAutofit fontScale="90000"/>
-          </a:bodyPr>
+          <a:bodyPr/>
           <a:lstStyle/>
           <a:p>
             <a:r>
               <a:rPr lang="en-US" dirty="0"/>
-              <a:t>Admin Account Admin Tools – Appointments</a:t>
-            </a:r>
-            <a:endParaRPr lang="en-US" b="1" dirty="0"/>
+              <a:t>Admin Account Dashboard - Appointment </a:t>
+            </a:r>
           </a:p>
         </p:txBody>
       </p:sp>
@@ -5096,7 +5538,7 @@
           <p:cNvPr id="3" name="Content Placeholder 2">
             <a:extLst>
               <a:ext uri="{FF2B5EF4-FFF2-40B4-BE49-F238E27FC236}">
-                <a16:creationId xmlns:a16="http://schemas.microsoft.com/office/drawing/2014/main" id="{5625CECF-6797-A62C-E35A-B43AD976061E}"/>
+                <a16:creationId xmlns:a16="http://schemas.microsoft.com/office/drawing/2014/main" id="{1AB2365D-23CF-D024-0691-D56D00FB4435}"/>
               </a:ext>
             </a:extLst>
           </p:cNvPr>
@@ -5114,7 +5556,7 @@
           <a:p>
             <a:r>
               <a:rPr lang="en-US" dirty="0"/>
-              <a:t>All doctors can see ALL appointments in the database, including those of other doctors.</a:t>
+              <a:t>Just like a normal account (patients), admin accounts (doctors) also have an appointment panel. An admin can also edit descriptions within an appointment, acting as a notepad for doctors.</a:t>
             </a:r>
           </a:p>
         </p:txBody>
@@ -5124,7 +5566,7 @@
           <p:cNvPr id="5" name="Picture 4">
             <a:extLst>
               <a:ext uri="{FF2B5EF4-FFF2-40B4-BE49-F238E27FC236}">
-                <a16:creationId xmlns:a16="http://schemas.microsoft.com/office/drawing/2014/main" id="{7CC1EA8C-A3DA-7526-402E-48F946BCB064}"/>
+                <a16:creationId xmlns:a16="http://schemas.microsoft.com/office/drawing/2014/main" id="{4F0E6884-E598-DDC5-3032-EAA9E11EBD5F}"/>
               </a:ext>
             </a:extLst>
           </p:cNvPr>
@@ -5141,8 +5583,38 @@
         </p:blipFill>
         <p:spPr>
           <a:xfrm>
-            <a:off x="3490711" y="3364173"/>
-            <a:ext cx="5210577" cy="3179927"/>
+            <a:off x="458694" y="4047331"/>
+            <a:ext cx="6078760" cy="2125280"/>
+          </a:xfrm>
+          <a:prstGeom prst="rect">
+            <a:avLst/>
+          </a:prstGeom>
+        </p:spPr>
+      </p:pic>
+      <p:pic>
+        <p:nvPicPr>
+          <p:cNvPr id="6" name="Picture 5">
+            <a:extLst>
+              <a:ext uri="{FF2B5EF4-FFF2-40B4-BE49-F238E27FC236}">
+                <a16:creationId xmlns:a16="http://schemas.microsoft.com/office/drawing/2014/main" id="{E9353CEC-39AD-DD33-F62E-F165AA78374B}"/>
+              </a:ext>
+            </a:extLst>
+          </p:cNvPr>
+          <p:cNvPicPr>
+            <a:picLocks noChangeAspect="1"/>
+          </p:cNvPicPr>
+          <p:nvPr/>
+        </p:nvPicPr>
+        <p:blipFill>
+          <a:blip r:embed="rId3"/>
+          <a:stretch>
+            <a:fillRect/>
+          </a:stretch>
+        </p:blipFill>
+        <p:spPr>
+          <a:xfrm>
+            <a:off x="7003876" y="4226288"/>
+            <a:ext cx="4884904" cy="1767365"/>
           </a:xfrm>
           <a:prstGeom prst="rect">
             <a:avLst/>
@@ -5152,7 +5624,7 @@
     </p:spTree>
     <p:extLst>
       <p:ext uri="{BB962C8B-B14F-4D97-AF65-F5344CB8AC3E}">
-        <p14:creationId xmlns:p14="http://schemas.microsoft.com/office/powerpoint/2010/main" val="87391122"/>
+        <p14:creationId xmlns:p14="http://schemas.microsoft.com/office/powerpoint/2010/main" val="2497400689"/>
       </p:ext>
     </p:extLst>
   </p:cSld>
@@ -5184,7 +5656,7 @@
           <p:cNvPr id="2" name="Title 1">
             <a:extLst>
               <a:ext uri="{FF2B5EF4-FFF2-40B4-BE49-F238E27FC236}">
-                <a16:creationId xmlns:a16="http://schemas.microsoft.com/office/drawing/2014/main" id="{E87C5A9E-32CF-0426-81BB-E25B41A1AEE5}"/>
+                <a16:creationId xmlns:a16="http://schemas.microsoft.com/office/drawing/2014/main" id="{3F5B7BB9-D5AA-5AA9-E4ED-78D3B05E9279}"/>
               </a:ext>
             </a:extLst>
           </p:cNvPr>
@@ -5198,13 +5670,13 @@
         <p:spPr/>
         <p:txBody>
           <a:bodyPr>
-            <a:normAutofit/>
+            <a:normAutofit fontScale="90000"/>
           </a:bodyPr>
           <a:lstStyle/>
           <a:p>
             <a:r>
               <a:rPr lang="en-US" dirty="0"/>
-              <a:t>Admin Account Admin Tools – Prescriptions</a:t>
+              <a:t>Admin Account Admin Tools – Managing Users</a:t>
             </a:r>
           </a:p>
         </p:txBody>
@@ -5214,7 +5686,7 @@
           <p:cNvPr id="3" name="Content Placeholder 2">
             <a:extLst>
               <a:ext uri="{FF2B5EF4-FFF2-40B4-BE49-F238E27FC236}">
-                <a16:creationId xmlns:a16="http://schemas.microsoft.com/office/drawing/2014/main" id="{A97D9FCC-A1B7-93AE-6D1F-F192AAC70861}"/>
+                <a16:creationId xmlns:a16="http://schemas.microsoft.com/office/drawing/2014/main" id="{E5AA167F-3E27-8D5F-F320-367DE7F9A0F0}"/>
               </a:ext>
             </a:extLst>
           </p:cNvPr>
@@ -5232,7 +5704,7 @@
           <a:p>
             <a:r>
               <a:rPr lang="en-US" dirty="0"/>
-              <a:t>Doctors can see ALL prescriptions in the database, and change the description, as well as viewing the prescription.</a:t>
+              <a:t>An admin account can promote, and demote users from simply being an authorized user, to a patient, and finally to a doctor</a:t>
             </a:r>
           </a:p>
         </p:txBody>
@@ -5242,7 +5714,7 @@
           <p:cNvPr id="5" name="Picture 4">
             <a:extLst>
               <a:ext uri="{FF2B5EF4-FFF2-40B4-BE49-F238E27FC236}">
-                <a16:creationId xmlns:a16="http://schemas.microsoft.com/office/drawing/2014/main" id="{1C287853-49A8-1340-B47F-DA7C2E4D0F1D}"/>
+                <a16:creationId xmlns:a16="http://schemas.microsoft.com/office/drawing/2014/main" id="{92CB9366-3E59-0DF9-EA87-A739B415C369}"/>
               </a:ext>
             </a:extLst>
           </p:cNvPr>
@@ -5259,38 +5731,8 @@
         </p:blipFill>
         <p:spPr>
           <a:xfrm>
-            <a:off x="2221351" y="3314720"/>
-            <a:ext cx="7369791" cy="1648214"/>
-          </a:xfrm>
-          <a:prstGeom prst="rect">
-            <a:avLst/>
-          </a:prstGeom>
-        </p:spPr>
-      </p:pic>
-      <p:pic>
-        <p:nvPicPr>
-          <p:cNvPr id="7" name="Picture 6">
-            <a:extLst>
-              <a:ext uri="{FF2B5EF4-FFF2-40B4-BE49-F238E27FC236}">
-                <a16:creationId xmlns:a16="http://schemas.microsoft.com/office/drawing/2014/main" id="{BB21DC20-BCC5-D8A5-FC57-259BF510B48F}"/>
-              </a:ext>
-            </a:extLst>
-          </p:cNvPr>
-          <p:cNvPicPr>
-            <a:picLocks noChangeAspect="1"/>
-          </p:cNvPicPr>
-          <p:nvPr/>
-        </p:nvPicPr>
-        <p:blipFill>
-          <a:blip r:embed="rId3"/>
-          <a:stretch>
-            <a:fillRect/>
-          </a:stretch>
-        </p:blipFill>
-        <p:spPr>
-          <a:xfrm>
-            <a:off x="2221351" y="4962934"/>
-            <a:ext cx="7369791" cy="1633975"/>
+            <a:off x="519231" y="3230128"/>
+            <a:ext cx="11153538" cy="3469122"/>
           </a:xfrm>
           <a:prstGeom prst="rect">
             <a:avLst/>
@@ -5300,7 +5742,7 @@
     </p:spTree>
     <p:extLst>
       <p:ext uri="{BB962C8B-B14F-4D97-AF65-F5344CB8AC3E}">
-        <p14:creationId xmlns:p14="http://schemas.microsoft.com/office/powerpoint/2010/main" val="3226572895"/>
+        <p14:creationId xmlns:p14="http://schemas.microsoft.com/office/powerpoint/2010/main" val="1814619843"/>
       </p:ext>
     </p:extLst>
   </p:cSld>
